--- a/directions/kNN算法demo介绍.pptx
+++ b/directions/kNN算法demo介绍.pptx
@@ -5,14 +5,15 @@
     <p:sldMasterId id="2147483648" r:id="rId1"/>
   </p:sldMasterIdLst>
   <p:notesMasterIdLst>
-    <p:notesMasterId r:id="rId7"/>
+    <p:notesMasterId r:id="rId8"/>
   </p:notesMasterIdLst>
   <p:sldIdLst>
     <p:sldId id="257" r:id="rId2"/>
     <p:sldId id="259" r:id="rId3"/>
     <p:sldId id="260" r:id="rId4"/>
-    <p:sldId id="261" r:id="rId5"/>
-    <p:sldId id="262" r:id="rId6"/>
+    <p:sldId id="263" r:id="rId5"/>
+    <p:sldId id="261" r:id="rId6"/>
+    <p:sldId id="262" r:id="rId7"/>
   </p:sldIdLst>
   <p:sldSz cx="12192000" cy="6858000"/>
   <p:notesSz cx="6858000" cy="9144000"/>
@@ -111,6 +112,11 @@
       </a:defRPr>
     </a:lvl9pPr>
   </p:defaultTextStyle>
+  <p:extLst>
+    <p:ext uri="{EFAFB233-063F-42B5-8137-9DF3F51BA10A}">
+      <p15:sldGuideLst xmlns:p15="http://schemas.microsoft.com/office/powerpoint/2012/main"/>
+    </p:ext>
+  </p:extLst>
 </p:presentation>
 </file>
 
@@ -196,7 +202,7 @@
           <a:p>
             <a:fld id="{51A40766-BDB0-41B5-9C15-D5F5EF748236}" type="datetimeFigureOut">
               <a:rPr lang="zh-CN" altLang="en-US" smtClean="0"/>
-              <a:t>2018/1/31</a:t>
+              <a:t>2018/2/1</a:t>
             </a:fld>
             <a:endParaRPr lang="zh-CN" altLang="en-US"/>
           </a:p>
@@ -730,6 +736,75 @@
     </p:spTree>
     <p:extLst>
       <p:ext uri="{BB962C8B-B14F-4D97-AF65-F5344CB8AC3E}">
+        <p14:creationId xmlns:p14="http://schemas.microsoft.com/office/powerpoint/2010/main" val="3050121208"/>
+      </p:ext>
+    </p:extLst>
+  </p:cSld>
+  <p:clrMapOvr>
+    <a:masterClrMapping/>
+  </p:clrMapOvr>
+</p:notes>
+</file>
+
+<file path=ppt/notesSlides/notesSlide5.xml><?xml version="1.0" encoding="utf-8"?>
+<p:notes xmlns:a="http://schemas.openxmlformats.org/drawingml/2006/main" xmlns:r="http://schemas.openxmlformats.org/officeDocument/2006/relationships" xmlns:p="http://schemas.openxmlformats.org/presentationml/2006/main">
+  <p:cSld>
+    <p:spTree>
+      <p:nvGrpSpPr>
+        <p:cNvPr id="1" name=""/>
+        <p:cNvGrpSpPr/>
+        <p:nvPr/>
+      </p:nvGrpSpPr>
+      <p:grpSpPr>
+        <a:xfrm>
+          <a:off x="0" y="0"/>
+          <a:ext cx="0" cy="0"/>
+          <a:chOff x="0" y="0"/>
+          <a:chExt cx="0" cy="0"/>
+        </a:xfrm>
+      </p:grpSpPr>
+      <p:sp>
+        <p:nvSpPr>
+          <p:cNvPr id="2" name="幻灯片图像占位符 1"/>
+          <p:cNvSpPr>
+            <a:spLocks noGrp="1" noRot="1" noChangeAspect="1"/>
+          </p:cNvSpPr>
+          <p:nvPr>
+            <p:ph type="sldImg"/>
+          </p:nvPr>
+        </p:nvSpPr>
+        <p:spPr/>
+      </p:sp>
+      <p:sp>
+        <p:nvSpPr>
+          <p:cNvPr id="3" name="备注占位符 2"/>
+          <p:cNvSpPr>
+            <a:spLocks noGrp="1"/>
+          </p:cNvSpPr>
+          <p:nvPr>
+            <p:ph type="body" idx="1"/>
+          </p:nvPr>
+        </p:nvSpPr>
+        <p:spPr/>
+        <p:txBody>
+          <a:bodyPr/>
+          <a:lstStyle/>
+          <a:p>
+            <a:endParaRPr lang="zh-CN" altLang="zh-CN" sz="1200" kern="1200" dirty="0">
+              <a:solidFill>
+                <a:schemeClr val="tx1"/>
+              </a:solidFill>
+              <a:effectLst/>
+              <a:latin typeface="+mn-lt"/>
+              <a:ea typeface="+mn-ea"/>
+              <a:cs typeface="+mn-cs"/>
+            </a:endParaRPr>
+          </a:p>
+        </p:txBody>
+      </p:sp>
+    </p:spTree>
+    <p:extLst>
+      <p:ext uri="{BB962C8B-B14F-4D97-AF65-F5344CB8AC3E}">
         <p14:creationId xmlns:p14="http://schemas.microsoft.com/office/powerpoint/2010/main" val="2349831554"/>
       </p:ext>
     </p:extLst>
@@ -740,7 +815,7 @@
 </p:notes>
 </file>
 
-<file path=ppt/notesSlides/notesSlide5.xml><?xml version="1.0" encoding="utf-8"?>
+<file path=ppt/notesSlides/notesSlide6.xml><?xml version="1.0" encoding="utf-8"?>
 <p:notes xmlns:a="http://schemas.openxmlformats.org/drawingml/2006/main" xmlns:r="http://schemas.openxmlformats.org/officeDocument/2006/relationships" xmlns:p="http://schemas.openxmlformats.org/presentationml/2006/main">
   <p:cSld>
     <p:spTree>
@@ -940,7 +1015,7 @@
           <a:p>
             <a:fld id="{08518BBB-E347-4397-A9A4-0EACC63DB345}" type="datetimeFigureOut">
               <a:rPr lang="zh-CN" altLang="en-US" smtClean="0"/>
-              <a:t>2018/1/31</a:t>
+              <a:t>2018/2/1</a:t>
             </a:fld>
             <a:endParaRPr lang="zh-CN" altLang="en-US"/>
           </a:p>
@@ -1110,7 +1185,7 @@
           <a:p>
             <a:fld id="{08518BBB-E347-4397-A9A4-0EACC63DB345}" type="datetimeFigureOut">
               <a:rPr lang="zh-CN" altLang="en-US" smtClean="0"/>
-              <a:t>2018/1/31</a:t>
+              <a:t>2018/2/1</a:t>
             </a:fld>
             <a:endParaRPr lang="zh-CN" altLang="en-US"/>
           </a:p>
@@ -1290,7 +1365,7 @@
           <a:p>
             <a:fld id="{08518BBB-E347-4397-A9A4-0EACC63DB345}" type="datetimeFigureOut">
               <a:rPr lang="zh-CN" altLang="en-US" smtClean="0"/>
-              <a:t>2018/1/31</a:t>
+              <a:t>2018/2/1</a:t>
             </a:fld>
             <a:endParaRPr lang="zh-CN" altLang="en-US"/>
           </a:p>
@@ -1460,7 +1535,7 @@
           <a:p>
             <a:fld id="{08518BBB-E347-4397-A9A4-0EACC63DB345}" type="datetimeFigureOut">
               <a:rPr lang="zh-CN" altLang="en-US" smtClean="0"/>
-              <a:t>2018/1/31</a:t>
+              <a:t>2018/2/1</a:t>
             </a:fld>
             <a:endParaRPr lang="zh-CN" altLang="en-US"/>
           </a:p>
@@ -1706,7 +1781,7 @@
           <a:p>
             <a:fld id="{08518BBB-E347-4397-A9A4-0EACC63DB345}" type="datetimeFigureOut">
               <a:rPr lang="zh-CN" altLang="en-US" smtClean="0"/>
-              <a:t>2018/1/31</a:t>
+              <a:t>2018/2/1</a:t>
             </a:fld>
             <a:endParaRPr lang="zh-CN" altLang="en-US"/>
           </a:p>
@@ -1938,7 +2013,7 @@
           <a:p>
             <a:fld id="{08518BBB-E347-4397-A9A4-0EACC63DB345}" type="datetimeFigureOut">
               <a:rPr lang="zh-CN" altLang="en-US" smtClean="0"/>
-              <a:t>2018/1/31</a:t>
+              <a:t>2018/2/1</a:t>
             </a:fld>
             <a:endParaRPr lang="zh-CN" altLang="en-US"/>
           </a:p>
@@ -2305,7 +2380,7 @@
           <a:p>
             <a:fld id="{08518BBB-E347-4397-A9A4-0EACC63DB345}" type="datetimeFigureOut">
               <a:rPr lang="zh-CN" altLang="en-US" smtClean="0"/>
-              <a:t>2018/1/31</a:t>
+              <a:t>2018/2/1</a:t>
             </a:fld>
             <a:endParaRPr lang="zh-CN" altLang="en-US"/>
           </a:p>
@@ -2423,7 +2498,7 @@
           <a:p>
             <a:fld id="{08518BBB-E347-4397-A9A4-0EACC63DB345}" type="datetimeFigureOut">
               <a:rPr lang="zh-CN" altLang="en-US" smtClean="0"/>
-              <a:t>2018/1/31</a:t>
+              <a:t>2018/2/1</a:t>
             </a:fld>
             <a:endParaRPr lang="zh-CN" altLang="en-US"/>
           </a:p>
@@ -2518,7 +2593,7 @@
           <a:p>
             <a:fld id="{08518BBB-E347-4397-A9A4-0EACC63DB345}" type="datetimeFigureOut">
               <a:rPr lang="zh-CN" altLang="en-US" smtClean="0"/>
-              <a:t>2018/1/31</a:t>
+              <a:t>2018/2/1</a:t>
             </a:fld>
             <a:endParaRPr lang="zh-CN" altLang="en-US"/>
           </a:p>
@@ -2795,7 +2870,7 @@
           <a:p>
             <a:fld id="{08518BBB-E347-4397-A9A4-0EACC63DB345}" type="datetimeFigureOut">
               <a:rPr lang="zh-CN" altLang="en-US" smtClean="0"/>
-              <a:t>2018/1/31</a:t>
+              <a:t>2018/2/1</a:t>
             </a:fld>
             <a:endParaRPr lang="zh-CN" altLang="en-US"/>
           </a:p>
@@ -3048,7 +3123,7 @@
           <a:p>
             <a:fld id="{08518BBB-E347-4397-A9A4-0EACC63DB345}" type="datetimeFigureOut">
               <a:rPr lang="zh-CN" altLang="en-US" smtClean="0"/>
-              <a:t>2018/1/31</a:t>
+              <a:t>2018/2/1</a:t>
             </a:fld>
             <a:endParaRPr lang="zh-CN" altLang="en-US"/>
           </a:p>
@@ -3261,7 +3336,7 @@
           <a:p>
             <a:fld id="{08518BBB-E347-4397-A9A4-0EACC63DB345}" type="datetimeFigureOut">
               <a:rPr lang="zh-CN" altLang="en-US" smtClean="0"/>
-              <a:t>2018/1/31</a:t>
+              <a:t>2018/2/1</a:t>
             </a:fld>
             <a:endParaRPr lang="zh-CN" altLang="en-US"/>
           </a:p>
@@ -4839,15 +4914,7 @@
                   <a:srgbClr val="0070C0"/>
                 </a:solidFill>
               </a:rPr>
-              <a:t>近邻</a:t>
-            </a:r>
-            <a:r>
-              <a:rPr lang="zh-CN" altLang="en-US" sz="5400" dirty="0" smtClean="0">
-                <a:solidFill>
-                  <a:srgbClr val="0070C0"/>
-                </a:solidFill>
-              </a:rPr>
-              <a:t>算法</a:t>
+              <a:t>近邻算法</a:t>
             </a:r>
             <a:r>
               <a:rPr lang="en-US" altLang="zh-CN" sz="5400" dirty="0" smtClean="0">
@@ -9417,7 +9484,7 @@
         <p:spPr>
           <a:xfrm>
             <a:off x="1255594" y="634779"/>
-            <a:ext cx="2209900" cy="369332"/>
+            <a:ext cx="4453463" cy="923330"/>
           </a:xfrm>
           <a:prstGeom prst="rect">
             <a:avLst/>
@@ -9430,24 +9497,54 @@
           <a:lstStyle/>
           <a:p>
             <a:r>
+              <a:rPr lang="zh-CN" altLang="en-US" b="1" dirty="0"/>
+              <a:t>然后</a:t>
+            </a:r>
+            <a:r>
+              <a:rPr lang="zh-CN" altLang="en-US" b="1" dirty="0" smtClean="0"/>
+              <a:t>介绍</a:t>
+            </a:r>
+            <a:r>
+              <a:rPr lang="en-US" altLang="zh-CN" b="1" dirty="0" smtClean="0"/>
+              <a:t>demo</a:t>
+            </a:r>
+            <a:r>
+              <a:rPr lang="zh-CN" altLang="en-US" b="1" dirty="0" smtClean="0"/>
+              <a:t>中输入的图片及其内容结构</a:t>
+            </a:r>
+            <a:endParaRPr lang="en-US" altLang="zh-CN" b="1" dirty="0" smtClean="0"/>
+          </a:p>
+          <a:p>
+            <a:endParaRPr lang="en-US" altLang="zh-CN" dirty="0" smtClean="0"/>
+          </a:p>
+          <a:p>
+            <a:r>
+              <a:rPr lang="en-US" altLang="zh-CN" dirty="0"/>
+              <a:t>t</a:t>
+            </a:r>
+            <a:r>
+              <a:rPr lang="en-US" altLang="zh-CN" dirty="0" smtClean="0"/>
+              <a:t>est</a:t>
+            </a:r>
+            <a:r>
               <a:rPr lang="zh-CN" altLang="en-US" dirty="0" smtClean="0"/>
-              <a:t>打开</a:t>
-            </a:r>
-            <a:r>
-              <a:rPr lang="en-US" altLang="zh-CN" dirty="0" smtClean="0"/>
-              <a:t>mnist1</a:t>
+              <a:t>目录下的</a:t>
+            </a:r>
+            <a:r>
+              <a:rPr lang="zh-CN" altLang="en-US" dirty="0"/>
+              <a:t>待测</a:t>
             </a:r>
             <a:r>
               <a:rPr lang="zh-CN" altLang="en-US" dirty="0" smtClean="0"/>
-              <a:t>文件夹：</a:t>
-            </a:r>
-            <a:endParaRPr lang="en-US" altLang="zh-CN" dirty="0"/>
+              <a:t>图片：</a:t>
+            </a:r>
+            <a:endParaRPr lang="zh-CN" altLang="en-US" dirty="0"/>
           </a:p>
         </p:txBody>
       </p:sp>
       <p:pic>
         <p:nvPicPr>
-          <p:cNvPr id="23" name="图片 22"/>
+          <p:cNvPr id="22" name="图片 21"/>
           <p:cNvPicPr>
             <a:picLocks noChangeAspect="1"/>
           </p:cNvPicPr>
@@ -9461,71 +9558,18 @@
         </p:blipFill>
         <p:spPr>
           <a:xfrm>
-            <a:off x="966592" y="992592"/>
-            <a:ext cx="8704052" cy="4179485"/>
+            <a:off x="4139736" y="1463183"/>
+            <a:ext cx="4362450" cy="3409950"/>
           </a:xfrm>
           <a:prstGeom prst="rect">
             <a:avLst/>
           </a:prstGeom>
         </p:spPr>
       </p:pic>
-      <p:sp>
-        <p:nvSpPr>
-          <p:cNvPr id="25" name="矩形 24"/>
-          <p:cNvSpPr/>
-          <p:nvPr/>
-        </p:nvSpPr>
-        <p:spPr>
-          <a:xfrm>
-            <a:off x="1277717" y="4620460"/>
-            <a:ext cx="6429965" cy="369332"/>
-          </a:xfrm>
-          <a:prstGeom prst="rect">
-            <a:avLst/>
-          </a:prstGeom>
-        </p:spPr>
-        <p:txBody>
-          <a:bodyPr wrap="none">
-            <a:spAutoFit/>
-          </a:bodyPr>
-          <a:lstStyle/>
-          <a:p>
-            <a:r>
-              <a:rPr lang="zh-CN" altLang="en-US" dirty="0" smtClean="0"/>
-              <a:t>计算时，会将</a:t>
-            </a:r>
-            <a:r>
-              <a:rPr lang="en-US" altLang="zh-CN" dirty="0" smtClean="0"/>
-              <a:t>32</a:t>
-            </a:r>
-            <a:r>
-              <a:rPr lang="zh-CN" altLang="en-US" dirty="0" smtClean="0"/>
-              <a:t>行</a:t>
-            </a:r>
-            <a:r>
-              <a:rPr lang="en-US" altLang="zh-CN" dirty="0" smtClean="0"/>
-              <a:t>32</a:t>
-            </a:r>
-            <a:r>
-              <a:rPr lang="zh-CN" altLang="en-US" dirty="0" smtClean="0"/>
-              <a:t>列的矩阵展开为一个长度为</a:t>
-            </a:r>
-            <a:r>
-              <a:rPr lang="en-US" altLang="zh-CN" dirty="0" smtClean="0"/>
-              <a:t>1024</a:t>
-            </a:r>
-            <a:r>
-              <a:rPr lang="zh-CN" altLang="en-US" dirty="0" smtClean="0"/>
-              <a:t>的矩阵。</a:t>
-            </a:r>
-            <a:endParaRPr lang="en-US" altLang="zh-CN" dirty="0"/>
-          </a:p>
-        </p:txBody>
-      </p:sp>
     </p:spTree>
     <p:extLst>
       <p:ext uri="{BB962C8B-B14F-4D97-AF65-F5344CB8AC3E}">
-        <p14:creationId xmlns:p14="http://schemas.microsoft.com/office/powerpoint/2010/main" val="1672850834"/>
+        <p14:creationId xmlns:p14="http://schemas.microsoft.com/office/powerpoint/2010/main" val="3431245310"/>
       </p:ext>
     </p:extLst>
   </p:cSld>
@@ -10064,6 +10108,1265 @@
             <a:fld id="{BA273C2D-4608-40A4-843C-F0473CCD49E4}" type="slidenum">
               <a:rPr lang="zh-CN" altLang="en-US" smtClean="0"/>
               <a:t>5</a:t>
+            </a:fld>
+            <a:endParaRPr lang="zh-CN" altLang="en-US" dirty="0"/>
+          </a:p>
+        </p:txBody>
+      </p:sp>
+      <p:grpSp>
+        <p:nvGrpSpPr>
+          <p:cNvPr id="10" name="组合 25"/>
+          <p:cNvGrpSpPr>
+            <a:grpSpLocks/>
+          </p:cNvGrpSpPr>
+          <p:nvPr/>
+        </p:nvGrpSpPr>
+        <p:grpSpPr bwMode="auto">
+          <a:xfrm flipH="1">
+            <a:off x="10531299" y="-187325"/>
+            <a:ext cx="1754186" cy="1427161"/>
+            <a:chOff x="-419101" y="-651218"/>
+            <a:chExt cx="6413260" cy="5211985"/>
+          </a:xfrm>
+        </p:grpSpPr>
+        <p:pic>
+          <p:nvPicPr>
+            <p:cNvPr id="12" name="图片 26"/>
+            <p:cNvPicPr>
+              <a:picLocks noChangeAspect="1"/>
+            </p:cNvPicPr>
+            <p:nvPr/>
+          </p:nvPicPr>
+          <p:blipFill rotWithShape="1">
+            <a:blip r:embed="rId3" cstate="print">
+              <a:clrChange>
+                <a:clrFrom>
+                  <a:srgbClr val="1A2026"/>
+                </a:clrFrom>
+                <a:clrTo>
+                  <a:srgbClr val="1A2026">
+                    <a:alpha val="0"/>
+                  </a:srgbClr>
+                </a:clrTo>
+              </a:clrChange>
+              <a:extLst>
+                <a:ext uri="{28A0092B-C50C-407E-A947-70E740481C1C}">
+                  <a14:useLocalDpi xmlns:a14="http://schemas.microsoft.com/office/drawing/2010/main" val="0"/>
+                </a:ext>
+              </a:extLst>
+            </a:blip>
+            <a:srcRect t="-2" r="8922" b="40222"/>
+            <a:stretch/>
+          </p:blipFill>
+          <p:spPr bwMode="auto">
+            <a:xfrm>
+              <a:off x="-419101" y="-651218"/>
+              <a:ext cx="5020706" cy="5211985"/>
+            </a:xfrm>
+            <a:prstGeom prst="rect">
+              <a:avLst/>
+            </a:prstGeom>
+            <a:noFill/>
+            <a:ln>
+              <a:noFill/>
+            </a:ln>
+            <a:extLst>
+              <a:ext uri="{909E8E84-426E-40DD-AFC4-6F175D3DCCD1}">
+                <a14:hiddenFill xmlns:a14="http://schemas.microsoft.com/office/drawing/2010/main">
+                  <a:solidFill>
+                    <a:srgbClr val="FFFFFF"/>
+                  </a:solidFill>
+                </a14:hiddenFill>
+              </a:ext>
+              <a:ext uri="{91240B29-F687-4F45-9708-019B960494DF}">
+                <a14:hiddenLine xmlns:a14="http://schemas.microsoft.com/office/drawing/2010/main" w="9525">
+                  <a:solidFill>
+                    <a:srgbClr val="000000"/>
+                  </a:solidFill>
+                  <a:miter lim="800000"/>
+                  <a:headEnd/>
+                  <a:tailEnd/>
+                </a14:hiddenLine>
+              </a:ext>
+            </a:extLst>
+          </p:spPr>
+        </p:pic>
+        <p:grpSp>
+          <p:nvGrpSpPr>
+            <p:cNvPr id="13" name="组合 35"/>
+            <p:cNvGrpSpPr>
+              <a:grpSpLocks/>
+            </p:cNvGrpSpPr>
+            <p:nvPr/>
+          </p:nvGrpSpPr>
+          <p:grpSpPr bwMode="auto">
+            <a:xfrm>
+              <a:off x="4650563" y="-28418"/>
+              <a:ext cx="1343596" cy="1008973"/>
+              <a:chOff x="4650563" y="-28418"/>
+              <a:chExt cx="1343596" cy="1008973"/>
+            </a:xfrm>
+          </p:grpSpPr>
+          <p:sp>
+            <p:nvSpPr>
+              <p:cNvPr id="14" name="等腰三角形 2"/>
+              <p:cNvSpPr/>
+              <p:nvPr/>
+            </p:nvSpPr>
+            <p:spPr>
+              <a:xfrm>
+                <a:off x="4630254" y="-19288"/>
+                <a:ext cx="1363905" cy="997181"/>
+              </a:xfrm>
+              <a:custGeom>
+                <a:avLst/>
+                <a:gdLst>
+                  <a:gd name="connsiteX0" fmla="*/ 0 w 1193673"/>
+                  <a:gd name="connsiteY0" fmla="*/ 898506 h 898506"/>
+                  <a:gd name="connsiteX1" fmla="*/ 596837 w 1193673"/>
+                  <a:gd name="connsiteY1" fmla="*/ 0 h 898506"/>
+                  <a:gd name="connsiteX2" fmla="*/ 1193673 w 1193673"/>
+                  <a:gd name="connsiteY2" fmla="*/ 898506 h 898506"/>
+                  <a:gd name="connsiteX3" fmla="*/ 0 w 1193673"/>
+                  <a:gd name="connsiteY3" fmla="*/ 898506 h 898506"/>
+                  <a:gd name="connsiteX0" fmla="*/ 0 w 1193673"/>
+                  <a:gd name="connsiteY0" fmla="*/ 1477626 h 1477626"/>
+                  <a:gd name="connsiteX1" fmla="*/ 429197 w 1193673"/>
+                  <a:gd name="connsiteY1" fmla="*/ 0 h 1477626"/>
+                  <a:gd name="connsiteX2" fmla="*/ 1193673 w 1193673"/>
+                  <a:gd name="connsiteY2" fmla="*/ 1477626 h 1477626"/>
+                  <a:gd name="connsiteX3" fmla="*/ 0 w 1193673"/>
+                  <a:gd name="connsiteY3" fmla="*/ 1477626 h 1477626"/>
+                  <a:gd name="connsiteX0" fmla="*/ 43243 w 764476"/>
+                  <a:gd name="connsiteY0" fmla="*/ 951846 h 1477626"/>
+                  <a:gd name="connsiteX1" fmla="*/ 0 w 764476"/>
+                  <a:gd name="connsiteY1" fmla="*/ 0 h 1477626"/>
+                  <a:gd name="connsiteX2" fmla="*/ 764476 w 764476"/>
+                  <a:gd name="connsiteY2" fmla="*/ 1477626 h 1477626"/>
+                  <a:gd name="connsiteX3" fmla="*/ 43243 w 764476"/>
+                  <a:gd name="connsiteY3" fmla="*/ 951846 h 1477626"/>
+                  <a:gd name="connsiteX0" fmla="*/ 50863 w 764476"/>
+                  <a:gd name="connsiteY0" fmla="*/ 997566 h 1477626"/>
+                  <a:gd name="connsiteX1" fmla="*/ 0 w 764476"/>
+                  <a:gd name="connsiteY1" fmla="*/ 0 h 1477626"/>
+                  <a:gd name="connsiteX2" fmla="*/ 764476 w 764476"/>
+                  <a:gd name="connsiteY2" fmla="*/ 1477626 h 1477626"/>
+                  <a:gd name="connsiteX3" fmla="*/ 50863 w 764476"/>
+                  <a:gd name="connsiteY3" fmla="*/ 997566 h 1477626"/>
+                  <a:gd name="connsiteX0" fmla="*/ 50863 w 1313116"/>
+                  <a:gd name="connsiteY0" fmla="*/ 997566 h 997566"/>
+                  <a:gd name="connsiteX1" fmla="*/ 0 w 1313116"/>
+                  <a:gd name="connsiteY1" fmla="*/ 0 h 997566"/>
+                  <a:gd name="connsiteX2" fmla="*/ 1313116 w 1313116"/>
+                  <a:gd name="connsiteY2" fmla="*/ 266046 h 997566"/>
+                  <a:gd name="connsiteX3" fmla="*/ 50863 w 1313116"/>
+                  <a:gd name="connsiteY3" fmla="*/ 997566 h 997566"/>
+                  <a:gd name="connsiteX0" fmla="*/ 50863 w 1343596"/>
+                  <a:gd name="connsiteY0" fmla="*/ 997566 h 997566"/>
+                  <a:gd name="connsiteX1" fmla="*/ 0 w 1343596"/>
+                  <a:gd name="connsiteY1" fmla="*/ 0 h 997566"/>
+                  <a:gd name="connsiteX2" fmla="*/ 1343596 w 1343596"/>
+                  <a:gd name="connsiteY2" fmla="*/ 266046 h 997566"/>
+                  <a:gd name="connsiteX3" fmla="*/ 50863 w 1343596"/>
+                  <a:gd name="connsiteY3" fmla="*/ 997566 h 997566"/>
+                </a:gdLst>
+                <a:ahLst/>
+                <a:cxnLst>
+                  <a:cxn ang="0">
+                    <a:pos x="connsiteX0" y="connsiteY0"/>
+                  </a:cxn>
+                  <a:cxn ang="0">
+                    <a:pos x="connsiteX1" y="connsiteY1"/>
+                  </a:cxn>
+                  <a:cxn ang="0">
+                    <a:pos x="connsiteX2" y="connsiteY2"/>
+                  </a:cxn>
+                  <a:cxn ang="0">
+                    <a:pos x="connsiteX3" y="connsiteY3"/>
+                  </a:cxn>
+                </a:cxnLst>
+                <a:rect l="l" t="t" r="r" b="b"/>
+                <a:pathLst>
+                  <a:path w="1343596" h="997566">
+                    <a:moveTo>
+                      <a:pt x="50863" y="997566"/>
+                    </a:moveTo>
+                    <a:lnTo>
+                      <a:pt x="0" y="0"/>
+                    </a:lnTo>
+                    <a:lnTo>
+                      <a:pt x="1343596" y="266046"/>
+                    </a:lnTo>
+                    <a:lnTo>
+                      <a:pt x="50863" y="997566"/>
+                    </a:lnTo>
+                    <a:close/>
+                  </a:path>
+                </a:pathLst>
+              </a:custGeom>
+              <a:solidFill>
+                <a:srgbClr val="04397B"/>
+              </a:solidFill>
+              <a:ln>
+                <a:noFill/>
+              </a:ln>
+              <a:effectLst>
+                <a:outerShdw blurRad="127000" dist="101600" dir="5400000" algn="t" rotWithShape="0">
+                  <a:prstClr val="black">
+                    <a:alpha val="40000"/>
+                  </a:prstClr>
+                </a:outerShdw>
+              </a:effectLst>
+            </p:spPr>
+            <p:style>
+              <a:lnRef idx="2">
+                <a:schemeClr val="accent1">
+                  <a:shade val="50000"/>
+                </a:schemeClr>
+              </a:lnRef>
+              <a:fillRef idx="1">
+                <a:schemeClr val="accent1"/>
+              </a:fillRef>
+              <a:effectRef idx="0">
+                <a:schemeClr val="accent1"/>
+              </a:effectRef>
+              <a:fontRef idx="minor">
+                <a:schemeClr val="lt1"/>
+              </a:fontRef>
+            </p:style>
+            <p:txBody>
+              <a:bodyPr anchor="ctr"/>
+              <a:lstStyle/>
+              <a:p>
+                <a:pPr algn="ctr" eaLnBrk="1" fontAlgn="auto" hangingPunct="1">
+                  <a:spcBef>
+                    <a:spcPts val="0"/>
+                  </a:spcBef>
+                  <a:spcAft>
+                    <a:spcPts val="0"/>
+                  </a:spcAft>
+                  <a:defRPr/>
+                </a:pPr>
+                <a:endParaRPr lang="zh-CN" altLang="en-US"/>
+              </a:p>
+            </p:txBody>
+          </p:sp>
+          <p:sp>
+            <p:nvSpPr>
+              <p:cNvPr id="15" name="等腰三角形 2"/>
+              <p:cNvSpPr/>
+              <p:nvPr/>
+            </p:nvSpPr>
+            <p:spPr>
+              <a:xfrm>
+                <a:off x="4682487" y="-30883"/>
+                <a:ext cx="1305870" cy="266691"/>
+              </a:xfrm>
+              <a:custGeom>
+                <a:avLst/>
+                <a:gdLst>
+                  <a:gd name="connsiteX0" fmla="*/ 0 w 1193673"/>
+                  <a:gd name="connsiteY0" fmla="*/ 898506 h 898506"/>
+                  <a:gd name="connsiteX1" fmla="*/ 596837 w 1193673"/>
+                  <a:gd name="connsiteY1" fmla="*/ 0 h 898506"/>
+                  <a:gd name="connsiteX2" fmla="*/ 1193673 w 1193673"/>
+                  <a:gd name="connsiteY2" fmla="*/ 898506 h 898506"/>
+                  <a:gd name="connsiteX3" fmla="*/ 0 w 1193673"/>
+                  <a:gd name="connsiteY3" fmla="*/ 898506 h 898506"/>
+                  <a:gd name="connsiteX0" fmla="*/ 0 w 1193673"/>
+                  <a:gd name="connsiteY0" fmla="*/ 1477626 h 1477626"/>
+                  <a:gd name="connsiteX1" fmla="*/ 429197 w 1193673"/>
+                  <a:gd name="connsiteY1" fmla="*/ 0 h 1477626"/>
+                  <a:gd name="connsiteX2" fmla="*/ 1193673 w 1193673"/>
+                  <a:gd name="connsiteY2" fmla="*/ 1477626 h 1477626"/>
+                  <a:gd name="connsiteX3" fmla="*/ 0 w 1193673"/>
+                  <a:gd name="connsiteY3" fmla="*/ 1477626 h 1477626"/>
+                  <a:gd name="connsiteX0" fmla="*/ 43243 w 764476"/>
+                  <a:gd name="connsiteY0" fmla="*/ 951846 h 1477626"/>
+                  <a:gd name="connsiteX1" fmla="*/ 0 w 764476"/>
+                  <a:gd name="connsiteY1" fmla="*/ 0 h 1477626"/>
+                  <a:gd name="connsiteX2" fmla="*/ 764476 w 764476"/>
+                  <a:gd name="connsiteY2" fmla="*/ 1477626 h 1477626"/>
+                  <a:gd name="connsiteX3" fmla="*/ 43243 w 764476"/>
+                  <a:gd name="connsiteY3" fmla="*/ 951846 h 1477626"/>
+                  <a:gd name="connsiteX0" fmla="*/ 50863 w 764476"/>
+                  <a:gd name="connsiteY0" fmla="*/ 997566 h 1477626"/>
+                  <a:gd name="connsiteX1" fmla="*/ 0 w 764476"/>
+                  <a:gd name="connsiteY1" fmla="*/ 0 h 1477626"/>
+                  <a:gd name="connsiteX2" fmla="*/ 764476 w 764476"/>
+                  <a:gd name="connsiteY2" fmla="*/ 1477626 h 1477626"/>
+                  <a:gd name="connsiteX3" fmla="*/ 50863 w 764476"/>
+                  <a:gd name="connsiteY3" fmla="*/ 997566 h 1477626"/>
+                  <a:gd name="connsiteX0" fmla="*/ 50863 w 1313116"/>
+                  <a:gd name="connsiteY0" fmla="*/ 997566 h 997566"/>
+                  <a:gd name="connsiteX1" fmla="*/ 0 w 1313116"/>
+                  <a:gd name="connsiteY1" fmla="*/ 0 h 997566"/>
+                  <a:gd name="connsiteX2" fmla="*/ 1313116 w 1313116"/>
+                  <a:gd name="connsiteY2" fmla="*/ 266046 h 997566"/>
+                  <a:gd name="connsiteX3" fmla="*/ 50863 w 1313116"/>
+                  <a:gd name="connsiteY3" fmla="*/ 997566 h 997566"/>
+                  <a:gd name="connsiteX0" fmla="*/ 50863 w 1343596"/>
+                  <a:gd name="connsiteY0" fmla="*/ 997566 h 997566"/>
+                  <a:gd name="connsiteX1" fmla="*/ 0 w 1343596"/>
+                  <a:gd name="connsiteY1" fmla="*/ 0 h 997566"/>
+                  <a:gd name="connsiteX2" fmla="*/ 1343596 w 1343596"/>
+                  <a:gd name="connsiteY2" fmla="*/ 266046 h 997566"/>
+                  <a:gd name="connsiteX3" fmla="*/ 50863 w 1343596"/>
+                  <a:gd name="connsiteY3" fmla="*/ 997566 h 997566"/>
+                  <a:gd name="connsiteX0" fmla="*/ 355663 w 1648396"/>
+                  <a:gd name="connsiteY0" fmla="*/ 974706 h 974706"/>
+                  <a:gd name="connsiteX1" fmla="*/ 0 w 1648396"/>
+                  <a:gd name="connsiteY1" fmla="*/ 0 h 974706"/>
+                  <a:gd name="connsiteX2" fmla="*/ 1648396 w 1648396"/>
+                  <a:gd name="connsiteY2" fmla="*/ 243186 h 974706"/>
+                  <a:gd name="connsiteX3" fmla="*/ 355663 w 1648396"/>
+                  <a:gd name="connsiteY3" fmla="*/ 974706 h 974706"/>
+                  <a:gd name="connsiteX0" fmla="*/ 279463 w 1572196"/>
+                  <a:gd name="connsiteY0" fmla="*/ 921366 h 921366"/>
+                  <a:gd name="connsiteX1" fmla="*/ 0 w 1572196"/>
+                  <a:gd name="connsiteY1" fmla="*/ 0 h 921366"/>
+                  <a:gd name="connsiteX2" fmla="*/ 1572196 w 1572196"/>
+                  <a:gd name="connsiteY2" fmla="*/ 189846 h 921366"/>
+                  <a:gd name="connsiteX3" fmla="*/ 279463 w 1572196"/>
+                  <a:gd name="connsiteY3" fmla="*/ 921366 h 921366"/>
+                  <a:gd name="connsiteX0" fmla="*/ 279463 w 673036"/>
+                  <a:gd name="connsiteY0" fmla="*/ 929640 h 929640"/>
+                  <a:gd name="connsiteX1" fmla="*/ 0 w 673036"/>
+                  <a:gd name="connsiteY1" fmla="*/ 8274 h 929640"/>
+                  <a:gd name="connsiteX2" fmla="*/ 673036 w 673036"/>
+                  <a:gd name="connsiteY2" fmla="*/ 0 h 929640"/>
+                  <a:gd name="connsiteX3" fmla="*/ 279463 w 673036"/>
+                  <a:gd name="connsiteY3" fmla="*/ 929640 h 929640"/>
+                  <a:gd name="connsiteX0" fmla="*/ 1292923 w 1292923"/>
+                  <a:gd name="connsiteY0" fmla="*/ 266700 h 266700"/>
+                  <a:gd name="connsiteX1" fmla="*/ 0 w 1292923"/>
+                  <a:gd name="connsiteY1" fmla="*/ 8274 h 266700"/>
+                  <a:gd name="connsiteX2" fmla="*/ 673036 w 1292923"/>
+                  <a:gd name="connsiteY2" fmla="*/ 0 h 266700"/>
+                  <a:gd name="connsiteX3" fmla="*/ 1292923 w 1292923"/>
+                  <a:gd name="connsiteY3" fmla="*/ 266700 h 266700"/>
+                  <a:gd name="connsiteX0" fmla="*/ 1300543 w 1300543"/>
+                  <a:gd name="connsiteY0" fmla="*/ 266700 h 266700"/>
+                  <a:gd name="connsiteX1" fmla="*/ 0 w 1300543"/>
+                  <a:gd name="connsiteY1" fmla="*/ 23514 h 266700"/>
+                  <a:gd name="connsiteX2" fmla="*/ 680656 w 1300543"/>
+                  <a:gd name="connsiteY2" fmla="*/ 0 h 266700"/>
+                  <a:gd name="connsiteX3" fmla="*/ 1300543 w 1300543"/>
+                  <a:gd name="connsiteY3" fmla="*/ 266700 h 266700"/>
+                </a:gdLst>
+                <a:ahLst/>
+                <a:cxnLst>
+                  <a:cxn ang="0">
+                    <a:pos x="connsiteX0" y="connsiteY0"/>
+                  </a:cxn>
+                  <a:cxn ang="0">
+                    <a:pos x="connsiteX1" y="connsiteY1"/>
+                  </a:cxn>
+                  <a:cxn ang="0">
+                    <a:pos x="connsiteX2" y="connsiteY2"/>
+                  </a:cxn>
+                  <a:cxn ang="0">
+                    <a:pos x="connsiteX3" y="connsiteY3"/>
+                  </a:cxn>
+                </a:cxnLst>
+                <a:rect l="l" t="t" r="r" b="b"/>
+                <a:pathLst>
+                  <a:path w="1300543" h="266700">
+                    <a:moveTo>
+                      <a:pt x="1300543" y="266700"/>
+                    </a:moveTo>
+                    <a:lnTo>
+                      <a:pt x="0" y="23514"/>
+                    </a:lnTo>
+                    <a:lnTo>
+                      <a:pt x="680656" y="0"/>
+                    </a:lnTo>
+                    <a:lnTo>
+                      <a:pt x="1300543" y="266700"/>
+                    </a:lnTo>
+                    <a:close/>
+                  </a:path>
+                </a:pathLst>
+              </a:custGeom>
+              <a:solidFill>
+                <a:srgbClr val="01B1E2"/>
+              </a:solidFill>
+              <a:ln>
+                <a:noFill/>
+              </a:ln>
+              <a:effectLst>
+                <a:outerShdw blurRad="50800" dist="101600" algn="l" rotWithShape="0">
+                  <a:prstClr val="black">
+                    <a:alpha val="40000"/>
+                  </a:prstClr>
+                </a:outerShdw>
+              </a:effectLst>
+            </p:spPr>
+            <p:style>
+              <a:lnRef idx="2">
+                <a:schemeClr val="accent1">
+                  <a:shade val="50000"/>
+                </a:schemeClr>
+              </a:lnRef>
+              <a:fillRef idx="1">
+                <a:schemeClr val="accent1"/>
+              </a:fillRef>
+              <a:effectRef idx="0">
+                <a:schemeClr val="accent1"/>
+              </a:effectRef>
+              <a:fontRef idx="minor">
+                <a:schemeClr val="lt1"/>
+              </a:fontRef>
+            </p:style>
+            <p:txBody>
+              <a:bodyPr anchor="ctr"/>
+              <a:lstStyle/>
+              <a:p>
+                <a:pPr algn="ctr" eaLnBrk="1" fontAlgn="auto" hangingPunct="1">
+                  <a:spcBef>
+                    <a:spcPts val="0"/>
+                  </a:spcBef>
+                  <a:spcAft>
+                    <a:spcPts val="0"/>
+                  </a:spcAft>
+                  <a:defRPr/>
+                </a:pPr>
+                <a:endParaRPr lang="zh-CN" altLang="en-US"/>
+              </a:p>
+            </p:txBody>
+          </p:sp>
+        </p:grpSp>
+      </p:grpSp>
+      <p:grpSp>
+        <p:nvGrpSpPr>
+          <p:cNvPr id="16" name="组合 3"/>
+          <p:cNvGrpSpPr>
+            <a:grpSpLocks/>
+          </p:cNvGrpSpPr>
+          <p:nvPr/>
+        </p:nvGrpSpPr>
+        <p:grpSpPr bwMode="auto">
+          <a:xfrm>
+            <a:off x="1975390" y="260350"/>
+            <a:ext cx="7613650" cy="0"/>
+            <a:chOff x="4578283" y="2075543"/>
+            <a:chExt cx="7613717" cy="0"/>
+          </a:xfrm>
+        </p:grpSpPr>
+        <p:cxnSp>
+          <p:nvCxnSpPr>
+            <p:cNvPr id="17" name="直接连接符 16"/>
+            <p:cNvCxnSpPr/>
+            <p:nvPr/>
+          </p:nvCxnSpPr>
+          <p:spPr>
+            <a:xfrm>
+              <a:off x="4578283" y="2075543"/>
+              <a:ext cx="6327831" cy="0"/>
+            </a:xfrm>
+            <a:prstGeom prst="line">
+              <a:avLst/>
+            </a:prstGeom>
+            <a:ln w="28575">
+              <a:solidFill>
+                <a:srgbClr val="0095DB"/>
+              </a:solidFill>
+            </a:ln>
+          </p:spPr>
+          <p:style>
+            <a:lnRef idx="1">
+              <a:schemeClr val="accent1"/>
+            </a:lnRef>
+            <a:fillRef idx="0">
+              <a:schemeClr val="accent1"/>
+            </a:fillRef>
+            <a:effectRef idx="0">
+              <a:schemeClr val="accent1"/>
+            </a:effectRef>
+            <a:fontRef idx="minor">
+              <a:schemeClr val="tx1"/>
+            </a:fontRef>
+          </p:style>
+        </p:cxnSp>
+        <p:cxnSp>
+          <p:nvCxnSpPr>
+            <p:cNvPr id="18" name="直接连接符 17"/>
+            <p:cNvCxnSpPr/>
+            <p:nvPr/>
+          </p:nvCxnSpPr>
+          <p:spPr>
+            <a:xfrm>
+              <a:off x="9070948" y="2075543"/>
+              <a:ext cx="3121052" cy="0"/>
+            </a:xfrm>
+            <a:prstGeom prst="line">
+              <a:avLst/>
+            </a:prstGeom>
+            <a:ln w="28575">
+              <a:solidFill>
+                <a:srgbClr val="074693"/>
+              </a:solidFill>
+            </a:ln>
+          </p:spPr>
+          <p:style>
+            <a:lnRef idx="1">
+              <a:schemeClr val="accent1"/>
+            </a:lnRef>
+            <a:fillRef idx="0">
+              <a:schemeClr val="accent1"/>
+            </a:fillRef>
+            <a:effectRef idx="0">
+              <a:schemeClr val="accent1"/>
+            </a:effectRef>
+            <a:fontRef idx="minor">
+              <a:schemeClr val="tx1"/>
+            </a:fontRef>
+          </p:style>
+        </p:cxnSp>
+      </p:grpSp>
+      <p:grpSp>
+        <p:nvGrpSpPr>
+          <p:cNvPr id="19" name="组合 2"/>
+          <p:cNvGrpSpPr>
+            <a:grpSpLocks/>
+          </p:cNvGrpSpPr>
+          <p:nvPr/>
+        </p:nvGrpSpPr>
+        <p:grpSpPr bwMode="auto">
+          <a:xfrm>
+            <a:off x="2329986" y="6638925"/>
+            <a:ext cx="8099425" cy="4763"/>
+            <a:chOff x="0" y="4592805"/>
+            <a:chExt cx="8098971" cy="5049"/>
+          </a:xfrm>
+        </p:grpSpPr>
+        <p:cxnSp>
+          <p:nvCxnSpPr>
+            <p:cNvPr id="20" name="直接连接符 19"/>
+            <p:cNvCxnSpPr/>
+            <p:nvPr/>
+          </p:nvCxnSpPr>
+          <p:spPr>
+            <a:xfrm>
+              <a:off x="0" y="4592805"/>
+              <a:ext cx="8098971" cy="0"/>
+            </a:xfrm>
+            <a:prstGeom prst="line">
+              <a:avLst/>
+            </a:prstGeom>
+            <a:ln w="28575">
+              <a:solidFill>
+                <a:srgbClr val="074693"/>
+              </a:solidFill>
+            </a:ln>
+          </p:spPr>
+          <p:style>
+            <a:lnRef idx="1">
+              <a:schemeClr val="accent1"/>
+            </a:lnRef>
+            <a:fillRef idx="0">
+              <a:schemeClr val="accent1"/>
+            </a:fillRef>
+            <a:effectRef idx="0">
+              <a:schemeClr val="accent1"/>
+            </a:effectRef>
+            <a:fontRef idx="minor">
+              <a:schemeClr val="tx1"/>
+            </a:fontRef>
+          </p:style>
+        </p:cxnSp>
+        <p:cxnSp>
+          <p:nvCxnSpPr>
+            <p:cNvPr id="21" name="直接连接符 20"/>
+            <p:cNvCxnSpPr/>
+            <p:nvPr/>
+          </p:nvCxnSpPr>
+          <p:spPr>
+            <a:xfrm>
+              <a:off x="0" y="4597854"/>
+              <a:ext cx="3990751" cy="0"/>
+            </a:xfrm>
+            <a:prstGeom prst="line">
+              <a:avLst/>
+            </a:prstGeom>
+            <a:ln w="28575">
+              <a:solidFill>
+                <a:srgbClr val="0095DB"/>
+              </a:solidFill>
+            </a:ln>
+          </p:spPr>
+          <p:style>
+            <a:lnRef idx="1">
+              <a:schemeClr val="accent1"/>
+            </a:lnRef>
+            <a:fillRef idx="0">
+              <a:schemeClr val="accent1"/>
+            </a:fillRef>
+            <a:effectRef idx="0">
+              <a:schemeClr val="accent1"/>
+            </a:effectRef>
+            <a:fontRef idx="minor">
+              <a:schemeClr val="tx1"/>
+            </a:fontRef>
+          </p:style>
+        </p:cxnSp>
+      </p:grpSp>
+      <p:sp>
+        <p:nvSpPr>
+          <p:cNvPr id="2" name="矩形 1"/>
+          <p:cNvSpPr/>
+          <p:nvPr/>
+        </p:nvSpPr>
+        <p:spPr>
+          <a:xfrm>
+            <a:off x="1255594" y="634779"/>
+            <a:ext cx="2209900" cy="369332"/>
+          </a:xfrm>
+          <a:prstGeom prst="rect">
+            <a:avLst/>
+          </a:prstGeom>
+        </p:spPr>
+        <p:txBody>
+          <a:bodyPr wrap="none">
+            <a:spAutoFit/>
+          </a:bodyPr>
+          <a:lstStyle/>
+          <a:p>
+            <a:r>
+              <a:rPr lang="zh-CN" altLang="en-US" dirty="0" smtClean="0"/>
+              <a:t>打开</a:t>
+            </a:r>
+            <a:r>
+              <a:rPr lang="en-US" altLang="zh-CN" dirty="0" smtClean="0"/>
+              <a:t>mnist1</a:t>
+            </a:r>
+            <a:r>
+              <a:rPr lang="zh-CN" altLang="en-US" dirty="0" smtClean="0"/>
+              <a:t>文件夹：</a:t>
+            </a:r>
+            <a:endParaRPr lang="en-US" altLang="zh-CN" dirty="0"/>
+          </a:p>
+        </p:txBody>
+      </p:sp>
+      <p:pic>
+        <p:nvPicPr>
+          <p:cNvPr id="23" name="图片 22"/>
+          <p:cNvPicPr>
+            <a:picLocks noChangeAspect="1"/>
+          </p:cNvPicPr>
+          <p:nvPr/>
+        </p:nvPicPr>
+        <p:blipFill>
+          <a:blip r:embed="rId4"/>
+          <a:stretch>
+            <a:fillRect/>
+          </a:stretch>
+        </p:blipFill>
+        <p:spPr>
+          <a:xfrm>
+            <a:off x="966592" y="992592"/>
+            <a:ext cx="8704052" cy="4179485"/>
+          </a:xfrm>
+          <a:prstGeom prst="rect">
+            <a:avLst/>
+          </a:prstGeom>
+        </p:spPr>
+      </p:pic>
+      <p:sp>
+        <p:nvSpPr>
+          <p:cNvPr id="25" name="矩形 24"/>
+          <p:cNvSpPr/>
+          <p:nvPr/>
+        </p:nvSpPr>
+        <p:spPr>
+          <a:xfrm>
+            <a:off x="1277717" y="4620460"/>
+            <a:ext cx="6429965" cy="369332"/>
+          </a:xfrm>
+          <a:prstGeom prst="rect">
+            <a:avLst/>
+          </a:prstGeom>
+        </p:spPr>
+        <p:txBody>
+          <a:bodyPr wrap="none">
+            <a:spAutoFit/>
+          </a:bodyPr>
+          <a:lstStyle/>
+          <a:p>
+            <a:r>
+              <a:rPr lang="zh-CN" altLang="en-US" dirty="0" smtClean="0"/>
+              <a:t>计算时，会将</a:t>
+            </a:r>
+            <a:r>
+              <a:rPr lang="en-US" altLang="zh-CN" dirty="0" smtClean="0"/>
+              <a:t>32</a:t>
+            </a:r>
+            <a:r>
+              <a:rPr lang="zh-CN" altLang="en-US" dirty="0" smtClean="0"/>
+              <a:t>行</a:t>
+            </a:r>
+            <a:r>
+              <a:rPr lang="en-US" altLang="zh-CN" dirty="0" smtClean="0"/>
+              <a:t>32</a:t>
+            </a:r>
+            <a:r>
+              <a:rPr lang="zh-CN" altLang="en-US" dirty="0" smtClean="0"/>
+              <a:t>列的矩阵展开为一个长度为</a:t>
+            </a:r>
+            <a:r>
+              <a:rPr lang="en-US" altLang="zh-CN" dirty="0" smtClean="0"/>
+              <a:t>1024</a:t>
+            </a:r>
+            <a:r>
+              <a:rPr lang="zh-CN" altLang="en-US" dirty="0" smtClean="0"/>
+              <a:t>的矩阵。</a:t>
+            </a:r>
+            <a:endParaRPr lang="en-US" altLang="zh-CN" dirty="0"/>
+          </a:p>
+        </p:txBody>
+      </p:sp>
+    </p:spTree>
+    <p:extLst>
+      <p:ext uri="{BB962C8B-B14F-4D97-AF65-F5344CB8AC3E}">
+        <p14:creationId xmlns:p14="http://schemas.microsoft.com/office/powerpoint/2010/main" val="1672850834"/>
+      </p:ext>
+    </p:extLst>
+  </p:cSld>
+  <p:clrMapOvr>
+    <a:masterClrMapping/>
+  </p:clrMapOvr>
+  <p:timing>
+    <p:tnLst>
+      <p:par>
+        <p:cTn id="1" dur="indefinite" restart="never" nodeType="tmRoot"/>
+      </p:par>
+    </p:tnLst>
+  </p:timing>
+</p:sld>
+</file>
+
+<file path=ppt/slides/slide6.xml><?xml version="1.0" encoding="utf-8"?>
+<p:sld xmlns:a="http://schemas.openxmlformats.org/drawingml/2006/main" xmlns:r="http://schemas.openxmlformats.org/officeDocument/2006/relationships" xmlns:p="http://schemas.openxmlformats.org/presentationml/2006/main">
+  <p:cSld>
+    <p:spTree>
+      <p:nvGrpSpPr>
+        <p:cNvPr id="1" name=""/>
+        <p:cNvGrpSpPr/>
+        <p:nvPr/>
+      </p:nvGrpSpPr>
+      <p:grpSpPr>
+        <a:xfrm>
+          <a:off x="0" y="0"/>
+          <a:ext cx="0" cy="0"/>
+          <a:chOff x="0" y="0"/>
+          <a:chExt cx="0" cy="0"/>
+        </a:xfrm>
+      </p:grpSpPr>
+      <p:grpSp>
+        <p:nvGrpSpPr>
+          <p:cNvPr id="4" name="组合 25"/>
+          <p:cNvGrpSpPr>
+            <a:grpSpLocks/>
+          </p:cNvGrpSpPr>
+          <p:nvPr/>
+        </p:nvGrpSpPr>
+        <p:grpSpPr bwMode="auto">
+          <a:xfrm>
+            <a:off x="-117694" y="-187325"/>
+            <a:ext cx="1754186" cy="1427161"/>
+            <a:chOff x="-419101" y="-651218"/>
+            <a:chExt cx="6413260" cy="5211985"/>
+          </a:xfrm>
+        </p:grpSpPr>
+        <p:pic>
+          <p:nvPicPr>
+            <p:cNvPr id="5" name="图片 26"/>
+            <p:cNvPicPr>
+              <a:picLocks noChangeAspect="1"/>
+            </p:cNvPicPr>
+            <p:nvPr/>
+          </p:nvPicPr>
+          <p:blipFill rotWithShape="1">
+            <a:blip r:embed="rId3" cstate="print">
+              <a:clrChange>
+                <a:clrFrom>
+                  <a:srgbClr val="1A2026"/>
+                </a:clrFrom>
+                <a:clrTo>
+                  <a:srgbClr val="1A2026">
+                    <a:alpha val="0"/>
+                  </a:srgbClr>
+                </a:clrTo>
+              </a:clrChange>
+              <a:extLst>
+                <a:ext uri="{28A0092B-C50C-407E-A947-70E740481C1C}">
+                  <a14:useLocalDpi xmlns:a14="http://schemas.microsoft.com/office/drawing/2010/main" val="0"/>
+                </a:ext>
+              </a:extLst>
+            </a:blip>
+            <a:srcRect t="-2" r="8922" b="40222"/>
+            <a:stretch/>
+          </p:blipFill>
+          <p:spPr bwMode="auto">
+            <a:xfrm>
+              <a:off x="-419101" y="-651218"/>
+              <a:ext cx="5020706" cy="5211985"/>
+            </a:xfrm>
+            <a:prstGeom prst="rect">
+              <a:avLst/>
+            </a:prstGeom>
+            <a:noFill/>
+            <a:ln>
+              <a:noFill/>
+            </a:ln>
+            <a:extLst>
+              <a:ext uri="{909E8E84-426E-40DD-AFC4-6F175D3DCCD1}">
+                <a14:hiddenFill xmlns:a14="http://schemas.microsoft.com/office/drawing/2010/main">
+                  <a:solidFill>
+                    <a:srgbClr val="FFFFFF"/>
+                  </a:solidFill>
+                </a14:hiddenFill>
+              </a:ext>
+              <a:ext uri="{91240B29-F687-4F45-9708-019B960494DF}">
+                <a14:hiddenLine xmlns:a14="http://schemas.microsoft.com/office/drawing/2010/main" w="9525">
+                  <a:solidFill>
+                    <a:srgbClr val="000000"/>
+                  </a:solidFill>
+                  <a:miter lim="800000"/>
+                  <a:headEnd/>
+                  <a:tailEnd/>
+                </a14:hiddenLine>
+              </a:ext>
+            </a:extLst>
+          </p:spPr>
+        </p:pic>
+        <p:grpSp>
+          <p:nvGrpSpPr>
+            <p:cNvPr id="6" name="组合 35"/>
+            <p:cNvGrpSpPr>
+              <a:grpSpLocks/>
+            </p:cNvGrpSpPr>
+            <p:nvPr/>
+          </p:nvGrpSpPr>
+          <p:grpSpPr bwMode="auto">
+            <a:xfrm>
+              <a:off x="4650563" y="-28418"/>
+              <a:ext cx="1343596" cy="1008973"/>
+              <a:chOff x="4650563" y="-28418"/>
+              <a:chExt cx="1343596" cy="1008973"/>
+            </a:xfrm>
+          </p:grpSpPr>
+          <p:sp>
+            <p:nvSpPr>
+              <p:cNvPr id="7" name="等腰三角形 2"/>
+              <p:cNvSpPr/>
+              <p:nvPr/>
+            </p:nvSpPr>
+            <p:spPr>
+              <a:xfrm>
+                <a:off x="4630254" y="-19288"/>
+                <a:ext cx="1363905" cy="997181"/>
+              </a:xfrm>
+              <a:custGeom>
+                <a:avLst/>
+                <a:gdLst>
+                  <a:gd name="connsiteX0" fmla="*/ 0 w 1193673"/>
+                  <a:gd name="connsiteY0" fmla="*/ 898506 h 898506"/>
+                  <a:gd name="connsiteX1" fmla="*/ 596837 w 1193673"/>
+                  <a:gd name="connsiteY1" fmla="*/ 0 h 898506"/>
+                  <a:gd name="connsiteX2" fmla="*/ 1193673 w 1193673"/>
+                  <a:gd name="connsiteY2" fmla="*/ 898506 h 898506"/>
+                  <a:gd name="connsiteX3" fmla="*/ 0 w 1193673"/>
+                  <a:gd name="connsiteY3" fmla="*/ 898506 h 898506"/>
+                  <a:gd name="connsiteX0" fmla="*/ 0 w 1193673"/>
+                  <a:gd name="connsiteY0" fmla="*/ 1477626 h 1477626"/>
+                  <a:gd name="connsiteX1" fmla="*/ 429197 w 1193673"/>
+                  <a:gd name="connsiteY1" fmla="*/ 0 h 1477626"/>
+                  <a:gd name="connsiteX2" fmla="*/ 1193673 w 1193673"/>
+                  <a:gd name="connsiteY2" fmla="*/ 1477626 h 1477626"/>
+                  <a:gd name="connsiteX3" fmla="*/ 0 w 1193673"/>
+                  <a:gd name="connsiteY3" fmla="*/ 1477626 h 1477626"/>
+                  <a:gd name="connsiteX0" fmla="*/ 43243 w 764476"/>
+                  <a:gd name="connsiteY0" fmla="*/ 951846 h 1477626"/>
+                  <a:gd name="connsiteX1" fmla="*/ 0 w 764476"/>
+                  <a:gd name="connsiteY1" fmla="*/ 0 h 1477626"/>
+                  <a:gd name="connsiteX2" fmla="*/ 764476 w 764476"/>
+                  <a:gd name="connsiteY2" fmla="*/ 1477626 h 1477626"/>
+                  <a:gd name="connsiteX3" fmla="*/ 43243 w 764476"/>
+                  <a:gd name="connsiteY3" fmla="*/ 951846 h 1477626"/>
+                  <a:gd name="connsiteX0" fmla="*/ 50863 w 764476"/>
+                  <a:gd name="connsiteY0" fmla="*/ 997566 h 1477626"/>
+                  <a:gd name="connsiteX1" fmla="*/ 0 w 764476"/>
+                  <a:gd name="connsiteY1" fmla="*/ 0 h 1477626"/>
+                  <a:gd name="connsiteX2" fmla="*/ 764476 w 764476"/>
+                  <a:gd name="connsiteY2" fmla="*/ 1477626 h 1477626"/>
+                  <a:gd name="connsiteX3" fmla="*/ 50863 w 764476"/>
+                  <a:gd name="connsiteY3" fmla="*/ 997566 h 1477626"/>
+                  <a:gd name="connsiteX0" fmla="*/ 50863 w 1313116"/>
+                  <a:gd name="connsiteY0" fmla="*/ 997566 h 997566"/>
+                  <a:gd name="connsiteX1" fmla="*/ 0 w 1313116"/>
+                  <a:gd name="connsiteY1" fmla="*/ 0 h 997566"/>
+                  <a:gd name="connsiteX2" fmla="*/ 1313116 w 1313116"/>
+                  <a:gd name="connsiteY2" fmla="*/ 266046 h 997566"/>
+                  <a:gd name="connsiteX3" fmla="*/ 50863 w 1313116"/>
+                  <a:gd name="connsiteY3" fmla="*/ 997566 h 997566"/>
+                  <a:gd name="connsiteX0" fmla="*/ 50863 w 1343596"/>
+                  <a:gd name="connsiteY0" fmla="*/ 997566 h 997566"/>
+                  <a:gd name="connsiteX1" fmla="*/ 0 w 1343596"/>
+                  <a:gd name="connsiteY1" fmla="*/ 0 h 997566"/>
+                  <a:gd name="connsiteX2" fmla="*/ 1343596 w 1343596"/>
+                  <a:gd name="connsiteY2" fmla="*/ 266046 h 997566"/>
+                  <a:gd name="connsiteX3" fmla="*/ 50863 w 1343596"/>
+                  <a:gd name="connsiteY3" fmla="*/ 997566 h 997566"/>
+                </a:gdLst>
+                <a:ahLst/>
+                <a:cxnLst>
+                  <a:cxn ang="0">
+                    <a:pos x="connsiteX0" y="connsiteY0"/>
+                  </a:cxn>
+                  <a:cxn ang="0">
+                    <a:pos x="connsiteX1" y="connsiteY1"/>
+                  </a:cxn>
+                  <a:cxn ang="0">
+                    <a:pos x="connsiteX2" y="connsiteY2"/>
+                  </a:cxn>
+                  <a:cxn ang="0">
+                    <a:pos x="connsiteX3" y="connsiteY3"/>
+                  </a:cxn>
+                </a:cxnLst>
+                <a:rect l="l" t="t" r="r" b="b"/>
+                <a:pathLst>
+                  <a:path w="1343596" h="997566">
+                    <a:moveTo>
+                      <a:pt x="50863" y="997566"/>
+                    </a:moveTo>
+                    <a:lnTo>
+                      <a:pt x="0" y="0"/>
+                    </a:lnTo>
+                    <a:lnTo>
+                      <a:pt x="1343596" y="266046"/>
+                    </a:lnTo>
+                    <a:lnTo>
+                      <a:pt x="50863" y="997566"/>
+                    </a:lnTo>
+                    <a:close/>
+                  </a:path>
+                </a:pathLst>
+              </a:custGeom>
+              <a:solidFill>
+                <a:srgbClr val="04397B"/>
+              </a:solidFill>
+              <a:ln>
+                <a:noFill/>
+              </a:ln>
+              <a:effectLst>
+                <a:outerShdw blurRad="127000" dist="101600" dir="5400000" algn="t" rotWithShape="0">
+                  <a:prstClr val="black">
+                    <a:alpha val="40000"/>
+                  </a:prstClr>
+                </a:outerShdw>
+              </a:effectLst>
+            </p:spPr>
+            <p:style>
+              <a:lnRef idx="2">
+                <a:schemeClr val="accent1">
+                  <a:shade val="50000"/>
+                </a:schemeClr>
+              </a:lnRef>
+              <a:fillRef idx="1">
+                <a:schemeClr val="accent1"/>
+              </a:fillRef>
+              <a:effectRef idx="0">
+                <a:schemeClr val="accent1"/>
+              </a:effectRef>
+              <a:fontRef idx="minor">
+                <a:schemeClr val="lt1"/>
+              </a:fontRef>
+            </p:style>
+            <p:txBody>
+              <a:bodyPr anchor="ctr"/>
+              <a:lstStyle/>
+              <a:p>
+                <a:pPr algn="ctr" eaLnBrk="1" fontAlgn="auto" hangingPunct="1">
+                  <a:spcBef>
+                    <a:spcPts val="0"/>
+                  </a:spcBef>
+                  <a:spcAft>
+                    <a:spcPts val="0"/>
+                  </a:spcAft>
+                  <a:defRPr/>
+                </a:pPr>
+                <a:endParaRPr lang="zh-CN" altLang="en-US"/>
+              </a:p>
+            </p:txBody>
+          </p:sp>
+          <p:sp>
+            <p:nvSpPr>
+              <p:cNvPr id="8" name="等腰三角形 2"/>
+              <p:cNvSpPr/>
+              <p:nvPr/>
+            </p:nvSpPr>
+            <p:spPr>
+              <a:xfrm>
+                <a:off x="4682487" y="-30883"/>
+                <a:ext cx="1305870" cy="266691"/>
+              </a:xfrm>
+              <a:custGeom>
+                <a:avLst/>
+                <a:gdLst>
+                  <a:gd name="connsiteX0" fmla="*/ 0 w 1193673"/>
+                  <a:gd name="connsiteY0" fmla="*/ 898506 h 898506"/>
+                  <a:gd name="connsiteX1" fmla="*/ 596837 w 1193673"/>
+                  <a:gd name="connsiteY1" fmla="*/ 0 h 898506"/>
+                  <a:gd name="connsiteX2" fmla="*/ 1193673 w 1193673"/>
+                  <a:gd name="connsiteY2" fmla="*/ 898506 h 898506"/>
+                  <a:gd name="connsiteX3" fmla="*/ 0 w 1193673"/>
+                  <a:gd name="connsiteY3" fmla="*/ 898506 h 898506"/>
+                  <a:gd name="connsiteX0" fmla="*/ 0 w 1193673"/>
+                  <a:gd name="connsiteY0" fmla="*/ 1477626 h 1477626"/>
+                  <a:gd name="connsiteX1" fmla="*/ 429197 w 1193673"/>
+                  <a:gd name="connsiteY1" fmla="*/ 0 h 1477626"/>
+                  <a:gd name="connsiteX2" fmla="*/ 1193673 w 1193673"/>
+                  <a:gd name="connsiteY2" fmla="*/ 1477626 h 1477626"/>
+                  <a:gd name="connsiteX3" fmla="*/ 0 w 1193673"/>
+                  <a:gd name="connsiteY3" fmla="*/ 1477626 h 1477626"/>
+                  <a:gd name="connsiteX0" fmla="*/ 43243 w 764476"/>
+                  <a:gd name="connsiteY0" fmla="*/ 951846 h 1477626"/>
+                  <a:gd name="connsiteX1" fmla="*/ 0 w 764476"/>
+                  <a:gd name="connsiteY1" fmla="*/ 0 h 1477626"/>
+                  <a:gd name="connsiteX2" fmla="*/ 764476 w 764476"/>
+                  <a:gd name="connsiteY2" fmla="*/ 1477626 h 1477626"/>
+                  <a:gd name="connsiteX3" fmla="*/ 43243 w 764476"/>
+                  <a:gd name="connsiteY3" fmla="*/ 951846 h 1477626"/>
+                  <a:gd name="connsiteX0" fmla="*/ 50863 w 764476"/>
+                  <a:gd name="connsiteY0" fmla="*/ 997566 h 1477626"/>
+                  <a:gd name="connsiteX1" fmla="*/ 0 w 764476"/>
+                  <a:gd name="connsiteY1" fmla="*/ 0 h 1477626"/>
+                  <a:gd name="connsiteX2" fmla="*/ 764476 w 764476"/>
+                  <a:gd name="connsiteY2" fmla="*/ 1477626 h 1477626"/>
+                  <a:gd name="connsiteX3" fmla="*/ 50863 w 764476"/>
+                  <a:gd name="connsiteY3" fmla="*/ 997566 h 1477626"/>
+                  <a:gd name="connsiteX0" fmla="*/ 50863 w 1313116"/>
+                  <a:gd name="connsiteY0" fmla="*/ 997566 h 997566"/>
+                  <a:gd name="connsiteX1" fmla="*/ 0 w 1313116"/>
+                  <a:gd name="connsiteY1" fmla="*/ 0 h 997566"/>
+                  <a:gd name="connsiteX2" fmla="*/ 1313116 w 1313116"/>
+                  <a:gd name="connsiteY2" fmla="*/ 266046 h 997566"/>
+                  <a:gd name="connsiteX3" fmla="*/ 50863 w 1313116"/>
+                  <a:gd name="connsiteY3" fmla="*/ 997566 h 997566"/>
+                  <a:gd name="connsiteX0" fmla="*/ 50863 w 1343596"/>
+                  <a:gd name="connsiteY0" fmla="*/ 997566 h 997566"/>
+                  <a:gd name="connsiteX1" fmla="*/ 0 w 1343596"/>
+                  <a:gd name="connsiteY1" fmla="*/ 0 h 997566"/>
+                  <a:gd name="connsiteX2" fmla="*/ 1343596 w 1343596"/>
+                  <a:gd name="connsiteY2" fmla="*/ 266046 h 997566"/>
+                  <a:gd name="connsiteX3" fmla="*/ 50863 w 1343596"/>
+                  <a:gd name="connsiteY3" fmla="*/ 997566 h 997566"/>
+                  <a:gd name="connsiteX0" fmla="*/ 355663 w 1648396"/>
+                  <a:gd name="connsiteY0" fmla="*/ 974706 h 974706"/>
+                  <a:gd name="connsiteX1" fmla="*/ 0 w 1648396"/>
+                  <a:gd name="connsiteY1" fmla="*/ 0 h 974706"/>
+                  <a:gd name="connsiteX2" fmla="*/ 1648396 w 1648396"/>
+                  <a:gd name="connsiteY2" fmla="*/ 243186 h 974706"/>
+                  <a:gd name="connsiteX3" fmla="*/ 355663 w 1648396"/>
+                  <a:gd name="connsiteY3" fmla="*/ 974706 h 974706"/>
+                  <a:gd name="connsiteX0" fmla="*/ 279463 w 1572196"/>
+                  <a:gd name="connsiteY0" fmla="*/ 921366 h 921366"/>
+                  <a:gd name="connsiteX1" fmla="*/ 0 w 1572196"/>
+                  <a:gd name="connsiteY1" fmla="*/ 0 h 921366"/>
+                  <a:gd name="connsiteX2" fmla="*/ 1572196 w 1572196"/>
+                  <a:gd name="connsiteY2" fmla="*/ 189846 h 921366"/>
+                  <a:gd name="connsiteX3" fmla="*/ 279463 w 1572196"/>
+                  <a:gd name="connsiteY3" fmla="*/ 921366 h 921366"/>
+                  <a:gd name="connsiteX0" fmla="*/ 279463 w 673036"/>
+                  <a:gd name="connsiteY0" fmla="*/ 929640 h 929640"/>
+                  <a:gd name="connsiteX1" fmla="*/ 0 w 673036"/>
+                  <a:gd name="connsiteY1" fmla="*/ 8274 h 929640"/>
+                  <a:gd name="connsiteX2" fmla="*/ 673036 w 673036"/>
+                  <a:gd name="connsiteY2" fmla="*/ 0 h 929640"/>
+                  <a:gd name="connsiteX3" fmla="*/ 279463 w 673036"/>
+                  <a:gd name="connsiteY3" fmla="*/ 929640 h 929640"/>
+                  <a:gd name="connsiteX0" fmla="*/ 1292923 w 1292923"/>
+                  <a:gd name="connsiteY0" fmla="*/ 266700 h 266700"/>
+                  <a:gd name="connsiteX1" fmla="*/ 0 w 1292923"/>
+                  <a:gd name="connsiteY1" fmla="*/ 8274 h 266700"/>
+                  <a:gd name="connsiteX2" fmla="*/ 673036 w 1292923"/>
+                  <a:gd name="connsiteY2" fmla="*/ 0 h 266700"/>
+                  <a:gd name="connsiteX3" fmla="*/ 1292923 w 1292923"/>
+                  <a:gd name="connsiteY3" fmla="*/ 266700 h 266700"/>
+                  <a:gd name="connsiteX0" fmla="*/ 1300543 w 1300543"/>
+                  <a:gd name="connsiteY0" fmla="*/ 266700 h 266700"/>
+                  <a:gd name="connsiteX1" fmla="*/ 0 w 1300543"/>
+                  <a:gd name="connsiteY1" fmla="*/ 23514 h 266700"/>
+                  <a:gd name="connsiteX2" fmla="*/ 680656 w 1300543"/>
+                  <a:gd name="connsiteY2" fmla="*/ 0 h 266700"/>
+                  <a:gd name="connsiteX3" fmla="*/ 1300543 w 1300543"/>
+                  <a:gd name="connsiteY3" fmla="*/ 266700 h 266700"/>
+                </a:gdLst>
+                <a:ahLst/>
+                <a:cxnLst>
+                  <a:cxn ang="0">
+                    <a:pos x="connsiteX0" y="connsiteY0"/>
+                  </a:cxn>
+                  <a:cxn ang="0">
+                    <a:pos x="connsiteX1" y="connsiteY1"/>
+                  </a:cxn>
+                  <a:cxn ang="0">
+                    <a:pos x="connsiteX2" y="connsiteY2"/>
+                  </a:cxn>
+                  <a:cxn ang="0">
+                    <a:pos x="connsiteX3" y="connsiteY3"/>
+                  </a:cxn>
+                </a:cxnLst>
+                <a:rect l="l" t="t" r="r" b="b"/>
+                <a:pathLst>
+                  <a:path w="1300543" h="266700">
+                    <a:moveTo>
+                      <a:pt x="1300543" y="266700"/>
+                    </a:moveTo>
+                    <a:lnTo>
+                      <a:pt x="0" y="23514"/>
+                    </a:lnTo>
+                    <a:lnTo>
+                      <a:pt x="680656" y="0"/>
+                    </a:lnTo>
+                    <a:lnTo>
+                      <a:pt x="1300543" y="266700"/>
+                    </a:lnTo>
+                    <a:close/>
+                  </a:path>
+                </a:pathLst>
+              </a:custGeom>
+              <a:solidFill>
+                <a:srgbClr val="01B1E2"/>
+              </a:solidFill>
+              <a:ln>
+                <a:noFill/>
+              </a:ln>
+              <a:effectLst>
+                <a:outerShdw blurRad="50800" dist="101600" algn="l" rotWithShape="0">
+                  <a:prstClr val="black">
+                    <a:alpha val="40000"/>
+                  </a:prstClr>
+                </a:outerShdw>
+              </a:effectLst>
+            </p:spPr>
+            <p:style>
+              <a:lnRef idx="2">
+                <a:schemeClr val="accent1">
+                  <a:shade val="50000"/>
+                </a:schemeClr>
+              </a:lnRef>
+              <a:fillRef idx="1">
+                <a:schemeClr val="accent1"/>
+              </a:fillRef>
+              <a:effectRef idx="0">
+                <a:schemeClr val="accent1"/>
+              </a:effectRef>
+              <a:fontRef idx="minor">
+                <a:schemeClr val="lt1"/>
+              </a:fontRef>
+            </p:style>
+            <p:txBody>
+              <a:bodyPr anchor="ctr"/>
+              <a:lstStyle/>
+              <a:p>
+                <a:pPr algn="ctr" eaLnBrk="1" fontAlgn="auto" hangingPunct="1">
+                  <a:spcBef>
+                    <a:spcPts val="0"/>
+                  </a:spcBef>
+                  <a:spcAft>
+                    <a:spcPts val="0"/>
+                  </a:spcAft>
+                  <a:defRPr/>
+                </a:pPr>
+                <a:endParaRPr lang="zh-CN" altLang="en-US"/>
+              </a:p>
+            </p:txBody>
+          </p:sp>
+        </p:grpSp>
+      </p:grpSp>
+      <p:pic>
+        <p:nvPicPr>
+          <p:cNvPr id="9" name="图片 11"/>
+          <p:cNvPicPr>
+            <a:picLocks noChangeAspect="1"/>
+          </p:cNvPicPr>
+          <p:nvPr/>
+        </p:nvPicPr>
+        <p:blipFill rotWithShape="1">
+          <a:blip r:embed="rId3">
+            <a:clrChange>
+              <a:clrFrom>
+                <a:srgbClr val="1A2026"/>
+              </a:clrFrom>
+              <a:clrTo>
+                <a:srgbClr val="1A2026">
+                  <a:alpha val="0"/>
+                </a:srgbClr>
+              </a:clrTo>
+            </a:clrChange>
+            <a:extLst>
+              <a:ext uri="{28A0092B-C50C-407E-A947-70E740481C1C}">
+                <a14:useLocalDpi xmlns:a14="http://schemas.microsoft.com/office/drawing/2010/main" val="0"/>
+              </a:ext>
+            </a:extLst>
+          </a:blip>
+          <a:srcRect l="46332" t="67529" r="6112" b="9962"/>
+          <a:stretch/>
+        </p:blipFill>
+        <p:spPr bwMode="auto">
+          <a:xfrm rot="10800000" flipV="1">
+            <a:off x="-42204" y="5346700"/>
+            <a:ext cx="2017594" cy="1511300"/>
+          </a:xfrm>
+          <a:prstGeom prst="rect">
+            <a:avLst/>
+          </a:prstGeom>
+          <a:noFill/>
+          <a:ln>
+            <a:noFill/>
+          </a:ln>
+          <a:effectLst/>
+          <a:extLst>
+            <a:ext uri="{909E8E84-426E-40DD-AFC4-6F175D3DCCD1}">
+              <a14:hiddenFill xmlns:a14="http://schemas.microsoft.com/office/drawing/2010/main">
+                <a:solidFill>
+                  <a:srgbClr val="FFFFFF"/>
+                </a:solidFill>
+              </a14:hiddenFill>
+            </a:ext>
+            <a:ext uri="{91240B29-F687-4F45-9708-019B960494DF}">
+              <a14:hiddenLine xmlns:a14="http://schemas.microsoft.com/office/drawing/2010/main" w="9525">
+                <a:solidFill>
+                  <a:srgbClr val="000000"/>
+                </a:solidFill>
+                <a:miter lim="800000"/>
+                <a:headEnd/>
+                <a:tailEnd/>
+              </a14:hiddenLine>
+            </a:ext>
+          </a:extLst>
+        </p:spPr>
+      </p:pic>
+      <p:sp>
+        <p:nvSpPr>
+          <p:cNvPr id="11" name="灯片编号占位符 10"/>
+          <p:cNvSpPr>
+            <a:spLocks noGrp="1"/>
+          </p:cNvSpPr>
+          <p:nvPr>
+            <p:ph type="sldNum" sz="quarter" idx="12"/>
+          </p:nvPr>
+        </p:nvSpPr>
+        <p:spPr/>
+        <p:txBody>
+          <a:bodyPr/>
+          <a:lstStyle/>
+          <a:p>
+            <a:fld id="{BA273C2D-4608-40A4-843C-F0473CCD49E4}" type="slidenum">
+              <a:rPr lang="zh-CN" altLang="en-US" smtClean="0"/>
+              <a:t>6</a:t>
             </a:fld>
             <a:endParaRPr lang="zh-CN" altLang="en-US" dirty="0"/>
           </a:p>

--- a/directions/kNN算法demo介绍.pptx
+++ b/directions/kNN算法demo介绍.pptx
@@ -11,8 +11,8 @@
     <p:sldId id="257" r:id="rId2"/>
     <p:sldId id="259" r:id="rId3"/>
     <p:sldId id="260" r:id="rId4"/>
-    <p:sldId id="263" r:id="rId5"/>
-    <p:sldId id="261" r:id="rId6"/>
+    <p:sldId id="261" r:id="rId5"/>
+    <p:sldId id="263" r:id="rId6"/>
     <p:sldId id="262" r:id="rId7"/>
   </p:sldIdLst>
   <p:sldSz cx="12192000" cy="6858000"/>
@@ -202,7 +202,7 @@
           <a:p>
             <a:fld id="{51A40766-BDB0-41B5-9C15-D5F5EF748236}" type="datetimeFigureOut">
               <a:rPr lang="zh-CN" altLang="en-US" smtClean="0"/>
-              <a:t>2018/2/1</a:t>
+              <a:t>2018/2/2</a:t>
             </a:fld>
             <a:endParaRPr lang="zh-CN" altLang="en-US"/>
           </a:p>
@@ -736,7 +736,7 @@
     </p:spTree>
     <p:extLst>
       <p:ext uri="{BB962C8B-B14F-4D97-AF65-F5344CB8AC3E}">
-        <p14:creationId xmlns:p14="http://schemas.microsoft.com/office/powerpoint/2010/main" val="3050121208"/>
+        <p14:creationId xmlns:p14="http://schemas.microsoft.com/office/powerpoint/2010/main" val="2349831554"/>
       </p:ext>
     </p:extLst>
   </p:cSld>
@@ -805,7 +805,7 @@
     </p:spTree>
     <p:extLst>
       <p:ext uri="{BB962C8B-B14F-4D97-AF65-F5344CB8AC3E}">
-        <p14:creationId xmlns:p14="http://schemas.microsoft.com/office/powerpoint/2010/main" val="2349831554"/>
+        <p14:creationId xmlns:p14="http://schemas.microsoft.com/office/powerpoint/2010/main" val="3508764999"/>
       </p:ext>
     </p:extLst>
   </p:cSld>
@@ -1015,7 +1015,7 @@
           <a:p>
             <a:fld id="{08518BBB-E347-4397-A9A4-0EACC63DB345}" type="datetimeFigureOut">
               <a:rPr lang="zh-CN" altLang="en-US" smtClean="0"/>
-              <a:t>2018/2/1</a:t>
+              <a:t>2018/2/2</a:t>
             </a:fld>
             <a:endParaRPr lang="zh-CN" altLang="en-US"/>
           </a:p>
@@ -1185,7 +1185,7 @@
           <a:p>
             <a:fld id="{08518BBB-E347-4397-A9A4-0EACC63DB345}" type="datetimeFigureOut">
               <a:rPr lang="zh-CN" altLang="en-US" smtClean="0"/>
-              <a:t>2018/2/1</a:t>
+              <a:t>2018/2/2</a:t>
             </a:fld>
             <a:endParaRPr lang="zh-CN" altLang="en-US"/>
           </a:p>
@@ -1365,7 +1365,7 @@
           <a:p>
             <a:fld id="{08518BBB-E347-4397-A9A4-0EACC63DB345}" type="datetimeFigureOut">
               <a:rPr lang="zh-CN" altLang="en-US" smtClean="0"/>
-              <a:t>2018/2/1</a:t>
+              <a:t>2018/2/2</a:t>
             </a:fld>
             <a:endParaRPr lang="zh-CN" altLang="en-US"/>
           </a:p>
@@ -1535,7 +1535,7 @@
           <a:p>
             <a:fld id="{08518BBB-E347-4397-A9A4-0EACC63DB345}" type="datetimeFigureOut">
               <a:rPr lang="zh-CN" altLang="en-US" smtClean="0"/>
-              <a:t>2018/2/1</a:t>
+              <a:t>2018/2/2</a:t>
             </a:fld>
             <a:endParaRPr lang="zh-CN" altLang="en-US"/>
           </a:p>
@@ -1781,7 +1781,7 @@
           <a:p>
             <a:fld id="{08518BBB-E347-4397-A9A4-0EACC63DB345}" type="datetimeFigureOut">
               <a:rPr lang="zh-CN" altLang="en-US" smtClean="0"/>
-              <a:t>2018/2/1</a:t>
+              <a:t>2018/2/2</a:t>
             </a:fld>
             <a:endParaRPr lang="zh-CN" altLang="en-US"/>
           </a:p>
@@ -2013,7 +2013,7 @@
           <a:p>
             <a:fld id="{08518BBB-E347-4397-A9A4-0EACC63DB345}" type="datetimeFigureOut">
               <a:rPr lang="zh-CN" altLang="en-US" smtClean="0"/>
-              <a:t>2018/2/1</a:t>
+              <a:t>2018/2/2</a:t>
             </a:fld>
             <a:endParaRPr lang="zh-CN" altLang="en-US"/>
           </a:p>
@@ -2380,7 +2380,7 @@
           <a:p>
             <a:fld id="{08518BBB-E347-4397-A9A4-0EACC63DB345}" type="datetimeFigureOut">
               <a:rPr lang="zh-CN" altLang="en-US" smtClean="0"/>
-              <a:t>2018/2/1</a:t>
+              <a:t>2018/2/2</a:t>
             </a:fld>
             <a:endParaRPr lang="zh-CN" altLang="en-US"/>
           </a:p>
@@ -2498,7 +2498,7 @@
           <a:p>
             <a:fld id="{08518BBB-E347-4397-A9A4-0EACC63DB345}" type="datetimeFigureOut">
               <a:rPr lang="zh-CN" altLang="en-US" smtClean="0"/>
-              <a:t>2018/2/1</a:t>
+              <a:t>2018/2/2</a:t>
             </a:fld>
             <a:endParaRPr lang="zh-CN" altLang="en-US"/>
           </a:p>
@@ -2593,7 +2593,7 @@
           <a:p>
             <a:fld id="{08518BBB-E347-4397-A9A4-0EACC63DB345}" type="datetimeFigureOut">
               <a:rPr lang="zh-CN" altLang="en-US" smtClean="0"/>
-              <a:t>2018/2/1</a:t>
+              <a:t>2018/2/2</a:t>
             </a:fld>
             <a:endParaRPr lang="zh-CN" altLang="en-US"/>
           </a:p>
@@ -2870,7 +2870,7 @@
           <a:p>
             <a:fld id="{08518BBB-E347-4397-A9A4-0EACC63DB345}" type="datetimeFigureOut">
               <a:rPr lang="zh-CN" altLang="en-US" smtClean="0"/>
-              <a:t>2018/2/1</a:t>
+              <a:t>2018/2/2</a:t>
             </a:fld>
             <a:endParaRPr lang="zh-CN" altLang="en-US"/>
           </a:p>
@@ -3123,7 +3123,7 @@
           <a:p>
             <a:fld id="{08518BBB-E347-4397-A9A4-0EACC63DB345}" type="datetimeFigureOut">
               <a:rPr lang="zh-CN" altLang="en-US" smtClean="0"/>
-              <a:t>2018/2/1</a:t>
+              <a:t>2018/2/2</a:t>
             </a:fld>
             <a:endParaRPr lang="zh-CN" altLang="en-US"/>
           </a:p>
@@ -3336,7 +3336,7 @@
           <a:p>
             <a:fld id="{08518BBB-E347-4397-A9A4-0EACC63DB345}" type="datetimeFigureOut">
               <a:rPr lang="zh-CN" altLang="en-US" smtClean="0"/>
-              <a:t>2018/2/1</a:t>
+              <a:t>2018/2/2</a:t>
             </a:fld>
             <a:endParaRPr lang="zh-CN" altLang="en-US"/>
           </a:p>
@@ -8184,7 +8184,7 @@
         <p:spPr>
           <a:xfrm>
             <a:off x="1255594" y="634779"/>
-            <a:ext cx="3422732" cy="2862322"/>
+            <a:ext cx="3422732" cy="3139321"/>
           </a:xfrm>
           <a:prstGeom prst="rect">
             <a:avLst/>
@@ -8214,6 +8214,13 @@
             </a:r>
           </a:p>
           <a:p>
+            <a:r>
+              <a:rPr lang="zh-CN" altLang="en-US" dirty="0" smtClean="0"/>
+              <a:t>（此步只测试分类器准确率）</a:t>
+            </a:r>
+            <a:endParaRPr lang="en-US" altLang="zh-CN" dirty="0" smtClean="0"/>
+          </a:p>
+          <a:p>
             <a:endParaRPr lang="en-US" altLang="zh-CN" dirty="0"/>
           </a:p>
           <a:p>
@@ -8308,7 +8315,7 @@
       </p:sp>
       <p:pic>
         <p:nvPicPr>
-          <p:cNvPr id="22" name="图片 21"/>
+          <p:cNvPr id="3" name="图片 2"/>
           <p:cNvPicPr>
             <a:picLocks noChangeAspect="1"/>
           </p:cNvPicPr>
@@ -8322,8 +8329,8 @@
         </p:blipFill>
         <p:spPr>
           <a:xfrm>
-            <a:off x="4811986" y="634779"/>
-            <a:ext cx="4177468" cy="5334463"/>
+            <a:off x="5046961" y="634779"/>
+            <a:ext cx="3256204" cy="5649318"/>
           </a:xfrm>
           <a:prstGeom prst="rect">
             <a:avLst/>
@@ -9484,7 +9491,7 @@
         <p:spPr>
           <a:xfrm>
             <a:off x="1255594" y="634779"/>
-            <a:ext cx="4453463" cy="923330"/>
+            <a:ext cx="2671565" cy="369332"/>
           </a:xfrm>
           <a:prstGeom prst="rect">
             <a:avLst/>
@@ -9497,54 +9504,24 @@
           <a:lstStyle/>
           <a:p>
             <a:r>
-              <a:rPr lang="zh-CN" altLang="en-US" b="1" dirty="0"/>
-              <a:t>然后</a:t>
-            </a:r>
-            <a:r>
-              <a:rPr lang="zh-CN" altLang="en-US" b="1" dirty="0" smtClean="0"/>
-              <a:t>介绍</a:t>
-            </a:r>
-            <a:r>
-              <a:rPr lang="en-US" altLang="zh-CN" b="1" dirty="0" smtClean="0"/>
-              <a:t>demo</a:t>
-            </a:r>
-            <a:r>
-              <a:rPr lang="zh-CN" altLang="en-US" b="1" dirty="0" smtClean="0"/>
-              <a:t>中输入的图片及其内容结构</a:t>
-            </a:r>
-            <a:endParaRPr lang="en-US" altLang="zh-CN" b="1" dirty="0" smtClean="0"/>
-          </a:p>
-          <a:p>
-            <a:endParaRPr lang="en-US" altLang="zh-CN" dirty="0" smtClean="0"/>
-          </a:p>
-          <a:p>
-            <a:r>
-              <a:rPr lang="en-US" altLang="zh-CN" dirty="0"/>
-              <a:t>t</a:t>
+              <a:rPr lang="zh-CN" altLang="en-US" dirty="0" smtClean="0"/>
+              <a:t>然后打开</a:t>
             </a:r>
             <a:r>
               <a:rPr lang="en-US" altLang="zh-CN" dirty="0" smtClean="0"/>
-              <a:t>est</a:t>
+              <a:t>mnist1</a:t>
             </a:r>
             <a:r>
               <a:rPr lang="zh-CN" altLang="en-US" dirty="0" smtClean="0"/>
-              <a:t>目录下的</a:t>
-            </a:r>
-            <a:r>
-              <a:rPr lang="zh-CN" altLang="en-US" dirty="0"/>
-              <a:t>待测</a:t>
-            </a:r>
-            <a:r>
-              <a:rPr lang="zh-CN" altLang="en-US" dirty="0" smtClean="0"/>
-              <a:t>图片：</a:t>
-            </a:r>
-            <a:endParaRPr lang="zh-CN" altLang="en-US" dirty="0"/>
+              <a:t>文件夹：</a:t>
+            </a:r>
+            <a:endParaRPr lang="en-US" altLang="zh-CN" dirty="0"/>
           </a:p>
         </p:txBody>
       </p:sp>
       <p:pic>
         <p:nvPicPr>
-          <p:cNvPr id="22" name="图片 21"/>
+          <p:cNvPr id="23" name="图片 22"/>
           <p:cNvPicPr>
             <a:picLocks noChangeAspect="1"/>
           </p:cNvPicPr>
@@ -9558,18 +9535,71 @@
         </p:blipFill>
         <p:spPr>
           <a:xfrm>
-            <a:off x="4139736" y="1463183"/>
-            <a:ext cx="4362450" cy="3409950"/>
+            <a:off x="966592" y="992592"/>
+            <a:ext cx="8704052" cy="4179485"/>
           </a:xfrm>
           <a:prstGeom prst="rect">
             <a:avLst/>
           </a:prstGeom>
         </p:spPr>
       </p:pic>
+      <p:sp>
+        <p:nvSpPr>
+          <p:cNvPr id="25" name="矩形 24"/>
+          <p:cNvSpPr/>
+          <p:nvPr/>
+        </p:nvSpPr>
+        <p:spPr>
+          <a:xfrm>
+            <a:off x="1277717" y="4620460"/>
+            <a:ext cx="6429965" cy="369332"/>
+          </a:xfrm>
+          <a:prstGeom prst="rect">
+            <a:avLst/>
+          </a:prstGeom>
+        </p:spPr>
+        <p:txBody>
+          <a:bodyPr wrap="none">
+            <a:spAutoFit/>
+          </a:bodyPr>
+          <a:lstStyle/>
+          <a:p>
+            <a:r>
+              <a:rPr lang="zh-CN" altLang="en-US" dirty="0" smtClean="0"/>
+              <a:t>计算时，会将</a:t>
+            </a:r>
+            <a:r>
+              <a:rPr lang="en-US" altLang="zh-CN" dirty="0" smtClean="0"/>
+              <a:t>32</a:t>
+            </a:r>
+            <a:r>
+              <a:rPr lang="zh-CN" altLang="en-US" dirty="0" smtClean="0"/>
+              <a:t>行</a:t>
+            </a:r>
+            <a:r>
+              <a:rPr lang="en-US" altLang="zh-CN" dirty="0" smtClean="0"/>
+              <a:t>32</a:t>
+            </a:r>
+            <a:r>
+              <a:rPr lang="zh-CN" altLang="en-US" dirty="0" smtClean="0"/>
+              <a:t>列的矩阵展开为一个长度为</a:t>
+            </a:r>
+            <a:r>
+              <a:rPr lang="en-US" altLang="zh-CN" dirty="0" smtClean="0"/>
+              <a:t>1024</a:t>
+            </a:r>
+            <a:r>
+              <a:rPr lang="zh-CN" altLang="en-US" dirty="0" smtClean="0"/>
+              <a:t>的矩阵。</a:t>
+            </a:r>
+            <a:endParaRPr lang="en-US" altLang="zh-CN" dirty="0"/>
+          </a:p>
+        </p:txBody>
+      </p:sp>
     </p:spTree>
     <p:extLst>
       <p:ext uri="{BB962C8B-B14F-4D97-AF65-F5344CB8AC3E}">
-        <p14:creationId xmlns:p14="http://schemas.microsoft.com/office/powerpoint/2010/main" val="3431245310"/>
+        <p14:creationId xmlns:p14="http://schemas.microsoft.com/office/powerpoint/2010/main" val="1672850834"/>
       </p:ext>
     </p:extLst>
   </p:cSld>
@@ -10720,7 +10750,7 @@
         <p:spPr>
           <a:xfrm>
             <a:off x="1255594" y="634779"/>
-            <a:ext cx="2209900" cy="369332"/>
+            <a:ext cx="3988592" cy="923330"/>
           </a:xfrm>
           <a:prstGeom prst="rect">
             <a:avLst/>
@@ -10733,24 +10763,50 @@
           <a:lstStyle/>
           <a:p>
             <a:r>
+              <a:rPr lang="zh-CN" altLang="en-US" b="1" dirty="0" smtClean="0"/>
+              <a:t>介绍</a:t>
+            </a:r>
+            <a:r>
+              <a:rPr lang="en-US" altLang="zh-CN" b="1" dirty="0" smtClean="0"/>
+              <a:t>demo</a:t>
+            </a:r>
+            <a:r>
+              <a:rPr lang="zh-CN" altLang="en-US" b="1" dirty="0" smtClean="0"/>
+              <a:t>中输入的图片及其内容结构</a:t>
+            </a:r>
+            <a:endParaRPr lang="en-US" altLang="zh-CN" b="1" dirty="0" smtClean="0"/>
+          </a:p>
+          <a:p>
+            <a:endParaRPr lang="en-US" altLang="zh-CN" dirty="0" smtClean="0"/>
+          </a:p>
+          <a:p>
+            <a:r>
+              <a:rPr lang="en-US" altLang="zh-CN" dirty="0"/>
+              <a:t>t</a:t>
+            </a:r>
+            <a:r>
+              <a:rPr lang="en-US" altLang="zh-CN" dirty="0" smtClean="0"/>
+              <a:t>est</a:t>
+            </a:r>
+            <a:r>
               <a:rPr lang="zh-CN" altLang="en-US" dirty="0" smtClean="0"/>
-              <a:t>打开</a:t>
-            </a:r>
-            <a:r>
-              <a:rPr lang="en-US" altLang="zh-CN" dirty="0" smtClean="0"/>
-              <a:t>mnist1</a:t>
+              <a:t>目录下的</a:t>
+            </a:r>
+            <a:r>
+              <a:rPr lang="zh-CN" altLang="en-US" dirty="0"/>
+              <a:t>待测</a:t>
             </a:r>
             <a:r>
               <a:rPr lang="zh-CN" altLang="en-US" dirty="0" smtClean="0"/>
-              <a:t>文件夹：</a:t>
-            </a:r>
-            <a:endParaRPr lang="en-US" altLang="zh-CN" dirty="0"/>
+              <a:t>图片：</a:t>
+            </a:r>
+            <a:endParaRPr lang="zh-CN" altLang="en-US" dirty="0"/>
           </a:p>
         </p:txBody>
       </p:sp>
       <p:pic>
         <p:nvPicPr>
-          <p:cNvPr id="23" name="图片 22"/>
+          <p:cNvPr id="22" name="图片 21"/>
           <p:cNvPicPr>
             <a:picLocks noChangeAspect="1"/>
           </p:cNvPicPr>
@@ -10764,71 +10820,18 @@
         </p:blipFill>
         <p:spPr>
           <a:xfrm>
-            <a:off x="966592" y="992592"/>
-            <a:ext cx="8704052" cy="4179485"/>
+            <a:off x="4139736" y="1463183"/>
+            <a:ext cx="4362450" cy="3409950"/>
           </a:xfrm>
           <a:prstGeom prst="rect">
             <a:avLst/>
           </a:prstGeom>
         </p:spPr>
       </p:pic>
-      <p:sp>
-        <p:nvSpPr>
-          <p:cNvPr id="25" name="矩形 24"/>
-          <p:cNvSpPr/>
-          <p:nvPr/>
-        </p:nvSpPr>
-        <p:spPr>
-          <a:xfrm>
-            <a:off x="1277717" y="4620460"/>
-            <a:ext cx="6429965" cy="369332"/>
-          </a:xfrm>
-          <a:prstGeom prst="rect">
-            <a:avLst/>
-          </a:prstGeom>
-        </p:spPr>
-        <p:txBody>
-          <a:bodyPr wrap="none">
-            <a:spAutoFit/>
-          </a:bodyPr>
-          <a:lstStyle/>
-          <a:p>
-            <a:r>
-              <a:rPr lang="zh-CN" altLang="en-US" dirty="0" smtClean="0"/>
-              <a:t>计算时，会将</a:t>
-            </a:r>
-            <a:r>
-              <a:rPr lang="en-US" altLang="zh-CN" dirty="0" smtClean="0"/>
-              <a:t>32</a:t>
-            </a:r>
-            <a:r>
-              <a:rPr lang="zh-CN" altLang="en-US" dirty="0" smtClean="0"/>
-              <a:t>行</a:t>
-            </a:r>
-            <a:r>
-              <a:rPr lang="en-US" altLang="zh-CN" dirty="0" smtClean="0"/>
-              <a:t>32</a:t>
-            </a:r>
-            <a:r>
-              <a:rPr lang="zh-CN" altLang="en-US" dirty="0" smtClean="0"/>
-              <a:t>列的矩阵展开为一个长度为</a:t>
-            </a:r>
-            <a:r>
-              <a:rPr lang="en-US" altLang="zh-CN" dirty="0" smtClean="0"/>
-              <a:t>1024</a:t>
-            </a:r>
-            <a:r>
-              <a:rPr lang="zh-CN" altLang="en-US" dirty="0" smtClean="0"/>
-              <a:t>的矩阵。</a:t>
-            </a:r>
-            <a:endParaRPr lang="en-US" altLang="zh-CN" dirty="0"/>
-          </a:p>
-        </p:txBody>
-      </p:sp>
     </p:spTree>
     <p:extLst>
       <p:ext uri="{BB962C8B-B14F-4D97-AF65-F5344CB8AC3E}">
-        <p14:creationId xmlns:p14="http://schemas.microsoft.com/office/powerpoint/2010/main" val="1672850834"/>
+        <p14:creationId xmlns:p14="http://schemas.microsoft.com/office/powerpoint/2010/main" val="3482519963"/>
       </p:ext>
     </p:extLst>
   </p:cSld>
@@ -12189,7 +12192,7 @@
       </p:pic>
       <p:pic>
         <p:nvPicPr>
-          <p:cNvPr id="23" name="图片 22"/>
+          <p:cNvPr id="22" name="图片 21"/>
           <p:cNvPicPr>
             <a:picLocks noChangeAspect="1"/>
           </p:cNvPicPr>
@@ -12203,8 +12206,8 @@
         </p:blipFill>
         <p:spPr>
           <a:xfrm>
-            <a:off x="7427951" y="830263"/>
-            <a:ext cx="3781425" cy="5200650"/>
+            <a:off x="7081086" y="542926"/>
+            <a:ext cx="3059027" cy="5635558"/>
           </a:xfrm>
           <a:prstGeom prst="rect">
             <a:avLst/>

--- a/directions/kNN算法demo介绍.pptx
+++ b/directions/kNN算法demo介绍.pptx
@@ -5,15 +5,16 @@
     <p:sldMasterId id="2147483648" r:id="rId1"/>
   </p:sldMasterIdLst>
   <p:notesMasterIdLst>
-    <p:notesMasterId r:id="rId8"/>
+    <p:notesMasterId r:id="rId9"/>
   </p:notesMasterIdLst>
   <p:sldIdLst>
     <p:sldId id="257" r:id="rId2"/>
-    <p:sldId id="259" r:id="rId3"/>
-    <p:sldId id="260" r:id="rId4"/>
-    <p:sldId id="261" r:id="rId5"/>
-    <p:sldId id="263" r:id="rId6"/>
-    <p:sldId id="262" r:id="rId7"/>
+    <p:sldId id="264" r:id="rId3"/>
+    <p:sldId id="259" r:id="rId4"/>
+    <p:sldId id="260" r:id="rId5"/>
+    <p:sldId id="261" r:id="rId6"/>
+    <p:sldId id="263" r:id="rId7"/>
+    <p:sldId id="262" r:id="rId8"/>
   </p:sldIdLst>
   <p:sldSz cx="12192000" cy="6858000"/>
   <p:notesSz cx="6858000" cy="9144000"/>
@@ -202,7 +203,7 @@
           <a:p>
             <a:fld id="{51A40766-BDB0-41B5-9C15-D5F5EF748236}" type="datetimeFigureOut">
               <a:rPr lang="zh-CN" altLang="en-US" smtClean="0"/>
-              <a:t>2018/2/2</a:t>
+              <a:t>2018/2/6</a:t>
             </a:fld>
             <a:endParaRPr lang="zh-CN" altLang="en-US"/>
           </a:p>
@@ -598,7 +599,7 @@
     </p:spTree>
     <p:extLst>
       <p:ext uri="{BB962C8B-B14F-4D97-AF65-F5344CB8AC3E}">
-        <p14:creationId xmlns:p14="http://schemas.microsoft.com/office/powerpoint/2010/main" val="3832452003"/>
+        <p14:creationId xmlns:p14="http://schemas.microsoft.com/office/powerpoint/2010/main" val="2812497874"/>
       </p:ext>
     </p:extLst>
   </p:cSld>
@@ -667,7 +668,7 @@
     </p:spTree>
     <p:extLst>
       <p:ext uri="{BB962C8B-B14F-4D97-AF65-F5344CB8AC3E}">
-        <p14:creationId xmlns:p14="http://schemas.microsoft.com/office/powerpoint/2010/main" val="1296621488"/>
+        <p14:creationId xmlns:p14="http://schemas.microsoft.com/office/powerpoint/2010/main" val="3832452003"/>
       </p:ext>
     </p:extLst>
   </p:cSld>
@@ -736,7 +737,7 @@
     </p:spTree>
     <p:extLst>
       <p:ext uri="{BB962C8B-B14F-4D97-AF65-F5344CB8AC3E}">
-        <p14:creationId xmlns:p14="http://schemas.microsoft.com/office/powerpoint/2010/main" val="2349831554"/>
+        <p14:creationId xmlns:p14="http://schemas.microsoft.com/office/powerpoint/2010/main" val="1296621488"/>
       </p:ext>
     </p:extLst>
   </p:cSld>
@@ -805,6 +806,75 @@
     </p:spTree>
     <p:extLst>
       <p:ext uri="{BB962C8B-B14F-4D97-AF65-F5344CB8AC3E}">
+        <p14:creationId xmlns:p14="http://schemas.microsoft.com/office/powerpoint/2010/main" val="2349831554"/>
+      </p:ext>
+    </p:extLst>
+  </p:cSld>
+  <p:clrMapOvr>
+    <a:masterClrMapping/>
+  </p:clrMapOvr>
+</p:notes>
+</file>
+
+<file path=ppt/notesSlides/notesSlide6.xml><?xml version="1.0" encoding="utf-8"?>
+<p:notes xmlns:a="http://schemas.openxmlformats.org/drawingml/2006/main" xmlns:r="http://schemas.openxmlformats.org/officeDocument/2006/relationships" xmlns:p="http://schemas.openxmlformats.org/presentationml/2006/main">
+  <p:cSld>
+    <p:spTree>
+      <p:nvGrpSpPr>
+        <p:cNvPr id="1" name=""/>
+        <p:cNvGrpSpPr/>
+        <p:nvPr/>
+      </p:nvGrpSpPr>
+      <p:grpSpPr>
+        <a:xfrm>
+          <a:off x="0" y="0"/>
+          <a:ext cx="0" cy="0"/>
+          <a:chOff x="0" y="0"/>
+          <a:chExt cx="0" cy="0"/>
+        </a:xfrm>
+      </p:grpSpPr>
+      <p:sp>
+        <p:nvSpPr>
+          <p:cNvPr id="2" name="幻灯片图像占位符 1"/>
+          <p:cNvSpPr>
+            <a:spLocks noGrp="1" noRot="1" noChangeAspect="1"/>
+          </p:cNvSpPr>
+          <p:nvPr>
+            <p:ph type="sldImg"/>
+          </p:nvPr>
+        </p:nvSpPr>
+        <p:spPr/>
+      </p:sp>
+      <p:sp>
+        <p:nvSpPr>
+          <p:cNvPr id="3" name="备注占位符 2"/>
+          <p:cNvSpPr>
+            <a:spLocks noGrp="1"/>
+          </p:cNvSpPr>
+          <p:nvPr>
+            <p:ph type="body" idx="1"/>
+          </p:nvPr>
+        </p:nvSpPr>
+        <p:spPr/>
+        <p:txBody>
+          <a:bodyPr/>
+          <a:lstStyle/>
+          <a:p>
+            <a:endParaRPr lang="zh-CN" altLang="zh-CN" sz="1200" kern="1200" dirty="0">
+              <a:solidFill>
+                <a:schemeClr val="tx1"/>
+              </a:solidFill>
+              <a:effectLst/>
+              <a:latin typeface="+mn-lt"/>
+              <a:ea typeface="+mn-ea"/>
+              <a:cs typeface="+mn-cs"/>
+            </a:endParaRPr>
+          </a:p>
+        </p:txBody>
+      </p:sp>
+    </p:spTree>
+    <p:extLst>
+      <p:ext uri="{BB962C8B-B14F-4D97-AF65-F5344CB8AC3E}">
         <p14:creationId xmlns:p14="http://schemas.microsoft.com/office/powerpoint/2010/main" val="3508764999"/>
       </p:ext>
     </p:extLst>
@@ -815,7 +885,7 @@
 </p:notes>
 </file>
 
-<file path=ppt/notesSlides/notesSlide6.xml><?xml version="1.0" encoding="utf-8"?>
+<file path=ppt/notesSlides/notesSlide7.xml><?xml version="1.0" encoding="utf-8"?>
 <p:notes xmlns:a="http://schemas.openxmlformats.org/drawingml/2006/main" xmlns:r="http://schemas.openxmlformats.org/officeDocument/2006/relationships" xmlns:p="http://schemas.openxmlformats.org/presentationml/2006/main">
   <p:cSld>
     <p:spTree>
@@ -1015,7 +1085,7 @@
           <a:p>
             <a:fld id="{08518BBB-E347-4397-A9A4-0EACC63DB345}" type="datetimeFigureOut">
               <a:rPr lang="zh-CN" altLang="en-US" smtClean="0"/>
-              <a:t>2018/2/2</a:t>
+              <a:t>2018/2/6</a:t>
             </a:fld>
             <a:endParaRPr lang="zh-CN" altLang="en-US"/>
           </a:p>
@@ -1185,7 +1255,7 @@
           <a:p>
             <a:fld id="{08518BBB-E347-4397-A9A4-0EACC63DB345}" type="datetimeFigureOut">
               <a:rPr lang="zh-CN" altLang="en-US" smtClean="0"/>
-              <a:t>2018/2/2</a:t>
+              <a:t>2018/2/6</a:t>
             </a:fld>
             <a:endParaRPr lang="zh-CN" altLang="en-US"/>
           </a:p>
@@ -1365,7 +1435,7 @@
           <a:p>
             <a:fld id="{08518BBB-E347-4397-A9A4-0EACC63DB345}" type="datetimeFigureOut">
               <a:rPr lang="zh-CN" altLang="en-US" smtClean="0"/>
-              <a:t>2018/2/2</a:t>
+              <a:t>2018/2/6</a:t>
             </a:fld>
             <a:endParaRPr lang="zh-CN" altLang="en-US"/>
           </a:p>
@@ -1535,7 +1605,7 @@
           <a:p>
             <a:fld id="{08518BBB-E347-4397-A9A4-0EACC63DB345}" type="datetimeFigureOut">
               <a:rPr lang="zh-CN" altLang="en-US" smtClean="0"/>
-              <a:t>2018/2/2</a:t>
+              <a:t>2018/2/6</a:t>
             </a:fld>
             <a:endParaRPr lang="zh-CN" altLang="en-US"/>
           </a:p>
@@ -1781,7 +1851,7 @@
           <a:p>
             <a:fld id="{08518BBB-E347-4397-A9A4-0EACC63DB345}" type="datetimeFigureOut">
               <a:rPr lang="zh-CN" altLang="en-US" smtClean="0"/>
-              <a:t>2018/2/2</a:t>
+              <a:t>2018/2/6</a:t>
             </a:fld>
             <a:endParaRPr lang="zh-CN" altLang="en-US"/>
           </a:p>
@@ -2013,7 +2083,7 @@
           <a:p>
             <a:fld id="{08518BBB-E347-4397-A9A4-0EACC63DB345}" type="datetimeFigureOut">
               <a:rPr lang="zh-CN" altLang="en-US" smtClean="0"/>
-              <a:t>2018/2/2</a:t>
+              <a:t>2018/2/6</a:t>
             </a:fld>
             <a:endParaRPr lang="zh-CN" altLang="en-US"/>
           </a:p>
@@ -2380,7 +2450,7 @@
           <a:p>
             <a:fld id="{08518BBB-E347-4397-A9A4-0EACC63DB345}" type="datetimeFigureOut">
               <a:rPr lang="zh-CN" altLang="en-US" smtClean="0"/>
-              <a:t>2018/2/2</a:t>
+              <a:t>2018/2/6</a:t>
             </a:fld>
             <a:endParaRPr lang="zh-CN" altLang="en-US"/>
           </a:p>
@@ -2498,7 +2568,7 @@
           <a:p>
             <a:fld id="{08518BBB-E347-4397-A9A4-0EACC63DB345}" type="datetimeFigureOut">
               <a:rPr lang="zh-CN" altLang="en-US" smtClean="0"/>
-              <a:t>2018/2/2</a:t>
+              <a:t>2018/2/6</a:t>
             </a:fld>
             <a:endParaRPr lang="zh-CN" altLang="en-US"/>
           </a:p>
@@ -2593,7 +2663,7 @@
           <a:p>
             <a:fld id="{08518BBB-E347-4397-A9A4-0EACC63DB345}" type="datetimeFigureOut">
               <a:rPr lang="zh-CN" altLang="en-US" smtClean="0"/>
-              <a:t>2018/2/2</a:t>
+              <a:t>2018/2/6</a:t>
             </a:fld>
             <a:endParaRPr lang="zh-CN" altLang="en-US"/>
           </a:p>
@@ -2870,7 +2940,7 @@
           <a:p>
             <a:fld id="{08518BBB-E347-4397-A9A4-0EACC63DB345}" type="datetimeFigureOut">
               <a:rPr lang="zh-CN" altLang="en-US" smtClean="0"/>
-              <a:t>2018/2/2</a:t>
+              <a:t>2018/2/6</a:t>
             </a:fld>
             <a:endParaRPr lang="zh-CN" altLang="en-US"/>
           </a:p>
@@ -3123,7 +3193,7 @@
           <a:p>
             <a:fld id="{08518BBB-E347-4397-A9A4-0EACC63DB345}" type="datetimeFigureOut">
               <a:rPr lang="zh-CN" altLang="en-US" smtClean="0"/>
-              <a:t>2018/2/2</a:t>
+              <a:t>2018/2/6</a:t>
             </a:fld>
             <a:endParaRPr lang="zh-CN" altLang="en-US"/>
           </a:p>
@@ -3336,7 +3406,7 @@
           <a:p>
             <a:fld id="{08518BBB-E347-4397-A9A4-0EACC63DB345}" type="datetimeFigureOut">
               <a:rPr lang="zh-CN" altLang="en-US" smtClean="0"/>
-              <a:t>2018/2/2</a:t>
+              <a:t>2018/2/6</a:t>
             </a:fld>
             <a:endParaRPr lang="zh-CN" altLang="en-US"/>
           </a:p>
@@ -6807,8 +6877,8 @@
         </p:nvSpPr>
         <p:spPr>
           <a:xfrm>
-            <a:off x="1255594" y="634779"/>
-            <a:ext cx="4685898" cy="4801314"/>
+            <a:off x="1054669" y="1328410"/>
+            <a:ext cx="9693679" cy="3416320"/>
           </a:xfrm>
           <a:prstGeom prst="rect">
             <a:avLst/>
@@ -6821,8 +6891,47 @@
           <a:lstStyle/>
           <a:p>
             <a:r>
+              <a:rPr lang="en-US" altLang="zh-CN" b="1" dirty="0" smtClean="0"/>
+              <a:t>	</a:t>
+            </a:r>
+            <a:r>
               <a:rPr lang="zh-CN" altLang="en-US" b="1" dirty="0" smtClean="0"/>
-              <a:t>首先介绍</a:t>
+              <a:t>根据</a:t>
+            </a:r>
+            <a:r>
+              <a:rPr lang="en-US" altLang="zh-CN" b="1" dirty="0" smtClean="0"/>
+              <a:t>《</a:t>
+            </a:r>
+            <a:r>
+              <a:rPr lang="zh-CN" altLang="en-US" b="1" dirty="0" smtClean="0"/>
+              <a:t>机器学习实战</a:t>
+            </a:r>
+            <a:r>
+              <a:rPr lang="en-US" altLang="zh-CN" b="1" dirty="0" smtClean="0"/>
+              <a:t>》</a:t>
+            </a:r>
+            <a:r>
+              <a:rPr lang="zh-CN" altLang="en-US" b="1" dirty="0"/>
+              <a:t>书</a:t>
+            </a:r>
+            <a:r>
+              <a:rPr lang="zh-CN" altLang="en-US" b="1" dirty="0" smtClean="0"/>
+              <a:t>上的提示内容，实现使用</a:t>
+            </a:r>
+            <a:r>
+              <a:rPr lang="en-US" altLang="zh-CN" b="1" dirty="0" smtClean="0"/>
+              <a:t>k-</a:t>
+            </a:r>
+            <a:r>
+              <a:rPr lang="zh-CN" altLang="en-US" b="1" dirty="0" smtClean="0"/>
+              <a:t>近邻算法识别手写数字，根据给</a:t>
+            </a:r>
+            <a:endParaRPr lang="en-US" altLang="zh-CN" b="1" dirty="0" smtClean="0"/>
+          </a:p>
+          <a:p>
+            <a:r>
+              <a:rPr lang="zh-CN" altLang="en-US" b="1" dirty="0" smtClean="0"/>
+              <a:t>出的对数据处理的大致思路，编写了完整的手写识别的</a:t>
             </a:r>
             <a:r>
               <a:rPr lang="en-US" altLang="zh-CN" b="1" dirty="0" smtClean="0"/>
@@ -6830,210 +6939,150 @@
             </a:r>
             <a:r>
               <a:rPr lang="zh-CN" altLang="en-US" b="1" dirty="0" smtClean="0"/>
-              <a:t>中用到的数据集及其内容结构</a:t>
+              <a:t>。</a:t>
             </a:r>
             <a:endParaRPr lang="en-US" altLang="zh-CN" b="1" dirty="0" smtClean="0"/>
           </a:p>
           <a:p>
-            <a:endParaRPr lang="en-US" altLang="zh-CN" dirty="0" smtClean="0"/>
-          </a:p>
-          <a:p>
-            <a:r>
-              <a:rPr lang="zh-CN" altLang="en-US" dirty="0" smtClean="0"/>
-              <a:t>训练集trainingDigits：</a:t>
-            </a:r>
-            <a:endParaRPr lang="en-US" altLang="zh-CN" dirty="0" smtClean="0"/>
+            <a:endParaRPr lang="en-US" altLang="zh-CN" b="1" dirty="0"/>
           </a:p>
           <a:p>
             <a:endParaRPr lang="en-US" altLang="zh-CN" dirty="0"/>
           </a:p>
           <a:p>
-            <a:endParaRPr lang="en-US" altLang="zh-CN" dirty="0" smtClean="0"/>
-          </a:p>
-          <a:p>
-            <a:r>
-              <a:rPr lang="zh-CN" altLang="en-US" dirty="0"/>
-              <a:t>右</a:t>
-            </a:r>
-            <a:r>
-              <a:rPr lang="zh-CN" altLang="en-US" dirty="0" smtClean="0"/>
-              <a:t>图</a:t>
-            </a:r>
-            <a:r>
-              <a:rPr lang="en-US" altLang="zh-CN" dirty="0" smtClean="0"/>
-              <a:t>1</a:t>
-            </a:r>
-            <a:r>
-              <a:rPr lang="zh-CN" altLang="en-US" dirty="0" smtClean="0"/>
-              <a:t>为</a:t>
-            </a:r>
-            <a:r>
-              <a:rPr lang="en-US" altLang="zh-CN" dirty="0" err="1" smtClean="0"/>
-              <a:t>trainingDigits</a:t>
-            </a:r>
-            <a:endParaRPr lang="en-US" altLang="zh-CN" dirty="0" smtClean="0"/>
-          </a:p>
-          <a:p>
-            <a:r>
-              <a:rPr lang="zh-CN" altLang="en-US" dirty="0" smtClean="0"/>
-              <a:t>文件夹内容，近</a:t>
-            </a:r>
-            <a:r>
-              <a:rPr lang="en-US" altLang="zh-CN" dirty="0" smtClean="0"/>
-              <a:t>2000</a:t>
-            </a:r>
-          </a:p>
-          <a:p>
-            <a:r>
-              <a:rPr lang="zh-CN" altLang="en-US" dirty="0" smtClean="0"/>
-              <a:t>个文件。第一个数字</a:t>
-            </a:r>
-            <a:endParaRPr lang="en-US" altLang="zh-CN" dirty="0" smtClean="0"/>
-          </a:p>
-          <a:p>
-            <a:r>
-              <a:rPr lang="zh-CN" altLang="en-US" dirty="0" smtClean="0"/>
-              <a:t>为数据标签，第二个</a:t>
-            </a:r>
-            <a:endParaRPr lang="en-US" altLang="zh-CN" dirty="0" smtClean="0"/>
-          </a:p>
-          <a:p>
-            <a:r>
-              <a:rPr lang="zh-CN" altLang="en-US" dirty="0" smtClean="0"/>
-              <a:t>数字为其个数排序。</a:t>
-            </a:r>
-            <a:endParaRPr lang="en-US" altLang="zh-CN" dirty="0" smtClean="0"/>
-          </a:p>
-          <a:p>
-            <a:endParaRPr lang="en-US" altLang="zh-CN" dirty="0" smtClean="0"/>
-          </a:p>
-          <a:p>
-            <a:r>
-              <a:rPr lang="zh-CN" altLang="en-US" dirty="0" smtClean="0"/>
-              <a:t>右图</a:t>
-            </a:r>
-            <a:r>
-              <a:rPr lang="en-US" altLang="zh-CN" dirty="0" smtClean="0"/>
-              <a:t>2</a:t>
-            </a:r>
-            <a:r>
-              <a:rPr lang="zh-CN" altLang="en-US" dirty="0" smtClean="0"/>
-              <a:t>为</a:t>
-            </a:r>
-            <a:r>
-              <a:rPr lang="en-US" altLang="zh-CN" dirty="0" smtClean="0"/>
+            <a:r>
+              <a:rPr lang="en-US" altLang="zh-CN" b="1" dirty="0"/>
+              <a:t>	</a:t>
+            </a:r>
+            <a:r>
+              <a:rPr lang="en-US" altLang="zh-CN" b="1" dirty="0" smtClean="0"/>
+              <a:t>demo</a:t>
+            </a:r>
+            <a:r>
+              <a:rPr lang="zh-CN" altLang="en-US" b="1" dirty="0" smtClean="0"/>
+              <a:t>大致分为三个部分：</a:t>
+            </a:r>
+            <a:endParaRPr lang="en-US" altLang="zh-CN" b="1" dirty="0" smtClean="0"/>
+          </a:p>
+          <a:p>
+            <a:r>
+              <a:rPr lang="en-US" altLang="zh-CN" b="1" dirty="0"/>
+              <a:t>	</a:t>
+            </a:r>
+            <a:r>
+              <a:rPr lang="en-US" altLang="zh-CN" b="1" dirty="0" smtClean="0"/>
+              <a:t>    </a:t>
+            </a:r>
+            <a:r>
+              <a:rPr lang="zh-CN" altLang="en-US" b="1" dirty="0" smtClean="0"/>
+              <a:t>第一部分：用</a:t>
+            </a:r>
+            <a:r>
+              <a:rPr lang="en-US" altLang="zh-CN" b="1" dirty="0" err="1" smtClean="0"/>
+              <a:t>mnist</a:t>
+            </a:r>
+            <a:r>
+              <a:rPr lang="zh-CN" altLang="en-US" b="1" dirty="0" smtClean="0"/>
+              <a:t>手写数字数据集，对算法进行调试，并对准确率进行测试。</a:t>
+            </a:r>
+            <a:endParaRPr lang="en-US" altLang="zh-CN" b="1" dirty="0" smtClean="0"/>
+          </a:p>
+          <a:p>
+            <a:endParaRPr lang="en-US" altLang="zh-CN" b="1" dirty="0" smtClean="0"/>
+          </a:p>
+          <a:p>
+            <a:r>
+              <a:rPr lang="en-US" altLang="zh-CN" b="1" dirty="0"/>
+              <a:t> </a:t>
+            </a:r>
+            <a:r>
+              <a:rPr lang="en-US" altLang="zh-CN" b="1" dirty="0" smtClean="0"/>
+              <a:t>   	    </a:t>
+            </a:r>
+            <a:r>
+              <a:rPr lang="zh-CN" altLang="en-US" b="1" dirty="0" smtClean="0"/>
+              <a:t>第二部分：添加将固定大小手写数字图片（</a:t>
+            </a:r>
+            <a:r>
+              <a:rPr lang="en-US" altLang="zh-CN" b="1" dirty="0" smtClean="0"/>
               <a:t>32×32</a:t>
             </a:r>
             <a:r>
-              <a:rPr lang="zh-CN" altLang="en-US" dirty="0" smtClean="0"/>
-              <a:t>的</a:t>
-            </a:r>
-            <a:r>
-              <a:rPr lang="en-US" altLang="zh-CN" dirty="0" smtClean="0"/>
-              <a:t>0,1</a:t>
-            </a:r>
-          </a:p>
-          <a:p>
-            <a:r>
-              <a:rPr lang="zh-CN" altLang="en-US" dirty="0" smtClean="0"/>
-              <a:t>矩阵，数字为</a:t>
-            </a:r>
-            <a:r>
-              <a:rPr lang="en-US" altLang="zh-CN" dirty="0" smtClean="0"/>
-              <a:t>0</a:t>
-            </a:r>
-            <a:r>
-              <a:rPr lang="zh-CN" altLang="en-US" dirty="0" smtClean="0"/>
-              <a:t>。</a:t>
-            </a:r>
-            <a:endParaRPr lang="en-US" altLang="zh-CN" dirty="0"/>
-          </a:p>
-          <a:p>
-            <a:endParaRPr lang="en-US" altLang="zh-CN" dirty="0" smtClean="0"/>
-          </a:p>
-          <a:p>
-            <a:r>
-              <a:rPr lang="en-US" altLang="zh-CN" dirty="0" err="1" smtClean="0"/>
-              <a:t>testDigits</a:t>
-            </a:r>
-            <a:r>
-              <a:rPr lang="zh-CN" altLang="en-US" dirty="0" smtClean="0"/>
-              <a:t>也相同，有</a:t>
-            </a:r>
-            <a:endParaRPr lang="en-US" altLang="zh-CN" dirty="0" smtClean="0"/>
-          </a:p>
-          <a:p>
-            <a:r>
-              <a:rPr lang="zh-CN" altLang="en-US" dirty="0" smtClean="0"/>
-              <a:t>近</a:t>
-            </a:r>
-            <a:r>
-              <a:rPr lang="en-US" altLang="zh-CN" dirty="0" smtClean="0"/>
-              <a:t>1000</a:t>
-            </a:r>
-            <a:r>
-              <a:rPr lang="zh-CN" altLang="en-US" dirty="0" smtClean="0"/>
-              <a:t>个文件。</a:t>
-            </a:r>
-            <a:endParaRPr lang="en-US" altLang="zh-CN" dirty="0" smtClean="0"/>
-          </a:p>
-          <a:p>
-            <a:endParaRPr lang="zh-CN" altLang="en-US" dirty="0"/>
+              <a:rPr lang="zh-CN" altLang="en-US" b="1" dirty="0" smtClean="0"/>
+              <a:t>）转换为</a:t>
+            </a:r>
+            <a:r>
+              <a:rPr lang="en-US" altLang="zh-CN" b="1" dirty="0" smtClean="0"/>
+              <a:t>32×32</a:t>
+            </a:r>
+            <a:r>
+              <a:rPr lang="zh-CN" altLang="en-US" b="1" dirty="0" smtClean="0"/>
+              <a:t>矩阵的方法，然</a:t>
+            </a:r>
+            <a:endParaRPr lang="en-US" altLang="zh-CN" b="1" dirty="0" smtClean="0"/>
+          </a:p>
+          <a:p>
+            <a:r>
+              <a:rPr lang="en-US" altLang="zh-CN" b="1" dirty="0"/>
+              <a:t>	</a:t>
+            </a:r>
+            <a:r>
+              <a:rPr lang="en-US" altLang="zh-CN" b="1" dirty="0" smtClean="0"/>
+              <a:t>                          </a:t>
+            </a:r>
+            <a:r>
+              <a:rPr lang="zh-CN" altLang="en-US" b="1" dirty="0" smtClean="0"/>
+              <a:t>后调用</a:t>
+            </a:r>
+            <a:r>
+              <a:rPr lang="en-US" altLang="zh-CN" b="1" dirty="0" smtClean="0"/>
+              <a:t>k-NN</a:t>
+            </a:r>
+            <a:r>
+              <a:rPr lang="zh-CN" altLang="en-US" b="1" dirty="0" smtClean="0"/>
+              <a:t>算法，得出预测结果。</a:t>
+            </a:r>
+            <a:endParaRPr lang="en-US" altLang="zh-CN" b="1" dirty="0" smtClean="0"/>
+          </a:p>
+          <a:p>
+            <a:endParaRPr lang="en-US" altLang="zh-CN" b="1" dirty="0" smtClean="0"/>
+          </a:p>
+          <a:p>
+            <a:r>
+              <a:rPr lang="en-US" altLang="zh-CN" b="1" dirty="0"/>
+              <a:t>	</a:t>
+            </a:r>
+            <a:r>
+              <a:rPr lang="en-US" altLang="zh-CN" b="1" dirty="0" smtClean="0"/>
+              <a:t>    </a:t>
+            </a:r>
+            <a:r>
+              <a:rPr lang="zh-CN" altLang="en-US" b="1" dirty="0" smtClean="0"/>
+              <a:t>第三部分：添加图片处理方法，将任意大小和色彩的图片转换为固定大小的矩阵，</a:t>
+            </a:r>
+            <a:endParaRPr lang="en-US" altLang="zh-CN" b="1" dirty="0" smtClean="0"/>
+          </a:p>
+          <a:p>
+            <a:r>
+              <a:rPr lang="en-US" altLang="zh-CN" b="1" dirty="0"/>
+              <a:t>	</a:t>
+            </a:r>
+            <a:r>
+              <a:rPr lang="en-US" altLang="zh-CN" b="1" dirty="0" smtClean="0"/>
+              <a:t>                          </a:t>
+            </a:r>
+            <a:r>
+              <a:rPr lang="zh-CN" altLang="en-US" b="1" dirty="0" smtClean="0"/>
+              <a:t>然后调用算法，得出预测结果。</a:t>
+            </a:r>
+            <a:endParaRPr lang="en-US" altLang="zh-CN" b="1" dirty="0" smtClean="0"/>
           </a:p>
         </p:txBody>
       </p:sp>
-      <p:pic>
-        <p:nvPicPr>
-          <p:cNvPr id="3" name="图片 2"/>
-          <p:cNvPicPr>
-            <a:picLocks noChangeAspect="1"/>
-          </p:cNvPicPr>
-          <p:nvPr/>
-        </p:nvPicPr>
-        <p:blipFill>
-          <a:blip r:embed="rId4"/>
-          <a:stretch>
-            <a:fillRect/>
-          </a:stretch>
-        </p:blipFill>
-        <p:spPr>
-          <a:xfrm>
-            <a:off x="3477228" y="1239836"/>
-            <a:ext cx="4181475" cy="4019550"/>
-          </a:xfrm>
-          <a:prstGeom prst="rect">
-            <a:avLst/>
-          </a:prstGeom>
-        </p:spPr>
-      </p:pic>
-      <p:pic>
-        <p:nvPicPr>
-          <p:cNvPr id="23" name="图片 22"/>
-          <p:cNvPicPr>
-            <a:picLocks noChangeAspect="1"/>
-          </p:cNvPicPr>
-          <p:nvPr/>
-        </p:nvPicPr>
-        <p:blipFill>
-          <a:blip r:embed="rId5"/>
-          <a:stretch>
-            <a:fillRect/>
-          </a:stretch>
-        </p:blipFill>
-        <p:spPr>
-          <a:xfrm>
-            <a:off x="8241252" y="995785"/>
-            <a:ext cx="2695575" cy="4552950"/>
-          </a:xfrm>
-          <a:prstGeom prst="rect">
-            <a:avLst/>
-          </a:prstGeom>
-        </p:spPr>
-      </p:pic>
     </p:spTree>
     <p:extLst>
       <p:ext uri="{BB962C8B-B14F-4D97-AF65-F5344CB8AC3E}">
-        <p14:creationId xmlns:p14="http://schemas.microsoft.com/office/powerpoint/2010/main" val="593113406"/>
+        <p14:creationId xmlns:p14="http://schemas.microsoft.com/office/powerpoint/2010/main" val="2339787483"/>
       </p:ext>
     </p:extLst>
   </p:cSld>
@@ -7572,6 +7621,1382 @@
             <a:fld id="{BA273C2D-4608-40A4-843C-F0473CCD49E4}" type="slidenum">
               <a:rPr lang="zh-CN" altLang="en-US" smtClean="0"/>
               <a:t>3</a:t>
+            </a:fld>
+            <a:endParaRPr lang="zh-CN" altLang="en-US" dirty="0"/>
+          </a:p>
+        </p:txBody>
+      </p:sp>
+      <p:grpSp>
+        <p:nvGrpSpPr>
+          <p:cNvPr id="10" name="组合 25"/>
+          <p:cNvGrpSpPr>
+            <a:grpSpLocks/>
+          </p:cNvGrpSpPr>
+          <p:nvPr/>
+        </p:nvGrpSpPr>
+        <p:grpSpPr bwMode="auto">
+          <a:xfrm flipH="1">
+            <a:off x="10531299" y="-187325"/>
+            <a:ext cx="1754186" cy="1427161"/>
+            <a:chOff x="-419101" y="-651218"/>
+            <a:chExt cx="6413260" cy="5211985"/>
+          </a:xfrm>
+        </p:grpSpPr>
+        <p:pic>
+          <p:nvPicPr>
+            <p:cNvPr id="12" name="图片 26"/>
+            <p:cNvPicPr>
+              <a:picLocks noChangeAspect="1"/>
+            </p:cNvPicPr>
+            <p:nvPr/>
+          </p:nvPicPr>
+          <p:blipFill rotWithShape="1">
+            <a:blip r:embed="rId3" cstate="print">
+              <a:clrChange>
+                <a:clrFrom>
+                  <a:srgbClr val="1A2026"/>
+                </a:clrFrom>
+                <a:clrTo>
+                  <a:srgbClr val="1A2026">
+                    <a:alpha val="0"/>
+                  </a:srgbClr>
+                </a:clrTo>
+              </a:clrChange>
+              <a:extLst>
+                <a:ext uri="{28A0092B-C50C-407E-A947-70E740481C1C}">
+                  <a14:useLocalDpi xmlns:a14="http://schemas.microsoft.com/office/drawing/2010/main" val="0"/>
+                </a:ext>
+              </a:extLst>
+            </a:blip>
+            <a:srcRect t="-2" r="8922" b="40222"/>
+            <a:stretch/>
+          </p:blipFill>
+          <p:spPr bwMode="auto">
+            <a:xfrm>
+              <a:off x="-419101" y="-651218"/>
+              <a:ext cx="5020706" cy="5211985"/>
+            </a:xfrm>
+            <a:prstGeom prst="rect">
+              <a:avLst/>
+            </a:prstGeom>
+            <a:noFill/>
+            <a:ln>
+              <a:noFill/>
+            </a:ln>
+            <a:extLst>
+              <a:ext uri="{909E8E84-426E-40DD-AFC4-6F175D3DCCD1}">
+                <a14:hiddenFill xmlns:a14="http://schemas.microsoft.com/office/drawing/2010/main">
+                  <a:solidFill>
+                    <a:srgbClr val="FFFFFF"/>
+                  </a:solidFill>
+                </a14:hiddenFill>
+              </a:ext>
+              <a:ext uri="{91240B29-F687-4F45-9708-019B960494DF}">
+                <a14:hiddenLine xmlns:a14="http://schemas.microsoft.com/office/drawing/2010/main" w="9525">
+                  <a:solidFill>
+                    <a:srgbClr val="000000"/>
+                  </a:solidFill>
+                  <a:miter lim="800000"/>
+                  <a:headEnd/>
+                  <a:tailEnd/>
+                </a14:hiddenLine>
+              </a:ext>
+            </a:extLst>
+          </p:spPr>
+        </p:pic>
+        <p:grpSp>
+          <p:nvGrpSpPr>
+            <p:cNvPr id="13" name="组合 35"/>
+            <p:cNvGrpSpPr>
+              <a:grpSpLocks/>
+            </p:cNvGrpSpPr>
+            <p:nvPr/>
+          </p:nvGrpSpPr>
+          <p:grpSpPr bwMode="auto">
+            <a:xfrm>
+              <a:off x="4650563" y="-28418"/>
+              <a:ext cx="1343596" cy="1008973"/>
+              <a:chOff x="4650563" y="-28418"/>
+              <a:chExt cx="1343596" cy="1008973"/>
+            </a:xfrm>
+          </p:grpSpPr>
+          <p:sp>
+            <p:nvSpPr>
+              <p:cNvPr id="14" name="等腰三角形 2"/>
+              <p:cNvSpPr/>
+              <p:nvPr/>
+            </p:nvSpPr>
+            <p:spPr>
+              <a:xfrm>
+                <a:off x="4630254" y="-19288"/>
+                <a:ext cx="1363905" cy="997181"/>
+              </a:xfrm>
+              <a:custGeom>
+                <a:avLst/>
+                <a:gdLst>
+                  <a:gd name="connsiteX0" fmla="*/ 0 w 1193673"/>
+                  <a:gd name="connsiteY0" fmla="*/ 898506 h 898506"/>
+                  <a:gd name="connsiteX1" fmla="*/ 596837 w 1193673"/>
+                  <a:gd name="connsiteY1" fmla="*/ 0 h 898506"/>
+                  <a:gd name="connsiteX2" fmla="*/ 1193673 w 1193673"/>
+                  <a:gd name="connsiteY2" fmla="*/ 898506 h 898506"/>
+                  <a:gd name="connsiteX3" fmla="*/ 0 w 1193673"/>
+                  <a:gd name="connsiteY3" fmla="*/ 898506 h 898506"/>
+                  <a:gd name="connsiteX0" fmla="*/ 0 w 1193673"/>
+                  <a:gd name="connsiteY0" fmla="*/ 1477626 h 1477626"/>
+                  <a:gd name="connsiteX1" fmla="*/ 429197 w 1193673"/>
+                  <a:gd name="connsiteY1" fmla="*/ 0 h 1477626"/>
+                  <a:gd name="connsiteX2" fmla="*/ 1193673 w 1193673"/>
+                  <a:gd name="connsiteY2" fmla="*/ 1477626 h 1477626"/>
+                  <a:gd name="connsiteX3" fmla="*/ 0 w 1193673"/>
+                  <a:gd name="connsiteY3" fmla="*/ 1477626 h 1477626"/>
+                  <a:gd name="connsiteX0" fmla="*/ 43243 w 764476"/>
+                  <a:gd name="connsiteY0" fmla="*/ 951846 h 1477626"/>
+                  <a:gd name="connsiteX1" fmla="*/ 0 w 764476"/>
+                  <a:gd name="connsiteY1" fmla="*/ 0 h 1477626"/>
+                  <a:gd name="connsiteX2" fmla="*/ 764476 w 764476"/>
+                  <a:gd name="connsiteY2" fmla="*/ 1477626 h 1477626"/>
+                  <a:gd name="connsiteX3" fmla="*/ 43243 w 764476"/>
+                  <a:gd name="connsiteY3" fmla="*/ 951846 h 1477626"/>
+                  <a:gd name="connsiteX0" fmla="*/ 50863 w 764476"/>
+                  <a:gd name="connsiteY0" fmla="*/ 997566 h 1477626"/>
+                  <a:gd name="connsiteX1" fmla="*/ 0 w 764476"/>
+                  <a:gd name="connsiteY1" fmla="*/ 0 h 1477626"/>
+                  <a:gd name="connsiteX2" fmla="*/ 764476 w 764476"/>
+                  <a:gd name="connsiteY2" fmla="*/ 1477626 h 1477626"/>
+                  <a:gd name="connsiteX3" fmla="*/ 50863 w 764476"/>
+                  <a:gd name="connsiteY3" fmla="*/ 997566 h 1477626"/>
+                  <a:gd name="connsiteX0" fmla="*/ 50863 w 1313116"/>
+                  <a:gd name="connsiteY0" fmla="*/ 997566 h 997566"/>
+                  <a:gd name="connsiteX1" fmla="*/ 0 w 1313116"/>
+                  <a:gd name="connsiteY1" fmla="*/ 0 h 997566"/>
+                  <a:gd name="connsiteX2" fmla="*/ 1313116 w 1313116"/>
+                  <a:gd name="connsiteY2" fmla="*/ 266046 h 997566"/>
+                  <a:gd name="connsiteX3" fmla="*/ 50863 w 1313116"/>
+                  <a:gd name="connsiteY3" fmla="*/ 997566 h 997566"/>
+                  <a:gd name="connsiteX0" fmla="*/ 50863 w 1343596"/>
+                  <a:gd name="connsiteY0" fmla="*/ 997566 h 997566"/>
+                  <a:gd name="connsiteX1" fmla="*/ 0 w 1343596"/>
+                  <a:gd name="connsiteY1" fmla="*/ 0 h 997566"/>
+                  <a:gd name="connsiteX2" fmla="*/ 1343596 w 1343596"/>
+                  <a:gd name="connsiteY2" fmla="*/ 266046 h 997566"/>
+                  <a:gd name="connsiteX3" fmla="*/ 50863 w 1343596"/>
+                  <a:gd name="connsiteY3" fmla="*/ 997566 h 997566"/>
+                </a:gdLst>
+                <a:ahLst/>
+                <a:cxnLst>
+                  <a:cxn ang="0">
+                    <a:pos x="connsiteX0" y="connsiteY0"/>
+                  </a:cxn>
+                  <a:cxn ang="0">
+                    <a:pos x="connsiteX1" y="connsiteY1"/>
+                  </a:cxn>
+                  <a:cxn ang="0">
+                    <a:pos x="connsiteX2" y="connsiteY2"/>
+                  </a:cxn>
+                  <a:cxn ang="0">
+                    <a:pos x="connsiteX3" y="connsiteY3"/>
+                  </a:cxn>
+                </a:cxnLst>
+                <a:rect l="l" t="t" r="r" b="b"/>
+                <a:pathLst>
+                  <a:path w="1343596" h="997566">
+                    <a:moveTo>
+                      <a:pt x="50863" y="997566"/>
+                    </a:moveTo>
+                    <a:lnTo>
+                      <a:pt x="0" y="0"/>
+                    </a:lnTo>
+                    <a:lnTo>
+                      <a:pt x="1343596" y="266046"/>
+                    </a:lnTo>
+                    <a:lnTo>
+                      <a:pt x="50863" y="997566"/>
+                    </a:lnTo>
+                    <a:close/>
+                  </a:path>
+                </a:pathLst>
+              </a:custGeom>
+              <a:solidFill>
+                <a:srgbClr val="04397B"/>
+              </a:solidFill>
+              <a:ln>
+                <a:noFill/>
+              </a:ln>
+              <a:effectLst>
+                <a:outerShdw blurRad="127000" dist="101600" dir="5400000" algn="t" rotWithShape="0">
+                  <a:prstClr val="black">
+                    <a:alpha val="40000"/>
+                  </a:prstClr>
+                </a:outerShdw>
+              </a:effectLst>
+            </p:spPr>
+            <p:style>
+              <a:lnRef idx="2">
+                <a:schemeClr val="accent1">
+                  <a:shade val="50000"/>
+                </a:schemeClr>
+              </a:lnRef>
+              <a:fillRef idx="1">
+                <a:schemeClr val="accent1"/>
+              </a:fillRef>
+              <a:effectRef idx="0">
+                <a:schemeClr val="accent1"/>
+              </a:effectRef>
+              <a:fontRef idx="minor">
+                <a:schemeClr val="lt1"/>
+              </a:fontRef>
+            </p:style>
+            <p:txBody>
+              <a:bodyPr anchor="ctr"/>
+              <a:lstStyle/>
+              <a:p>
+                <a:pPr algn="ctr" eaLnBrk="1" fontAlgn="auto" hangingPunct="1">
+                  <a:spcBef>
+                    <a:spcPts val="0"/>
+                  </a:spcBef>
+                  <a:spcAft>
+                    <a:spcPts val="0"/>
+                  </a:spcAft>
+                  <a:defRPr/>
+                </a:pPr>
+                <a:endParaRPr lang="zh-CN" altLang="en-US"/>
+              </a:p>
+            </p:txBody>
+          </p:sp>
+          <p:sp>
+            <p:nvSpPr>
+              <p:cNvPr id="15" name="等腰三角形 2"/>
+              <p:cNvSpPr/>
+              <p:nvPr/>
+            </p:nvSpPr>
+            <p:spPr>
+              <a:xfrm>
+                <a:off x="4682487" y="-30883"/>
+                <a:ext cx="1305870" cy="266691"/>
+              </a:xfrm>
+              <a:custGeom>
+                <a:avLst/>
+                <a:gdLst>
+                  <a:gd name="connsiteX0" fmla="*/ 0 w 1193673"/>
+                  <a:gd name="connsiteY0" fmla="*/ 898506 h 898506"/>
+                  <a:gd name="connsiteX1" fmla="*/ 596837 w 1193673"/>
+                  <a:gd name="connsiteY1" fmla="*/ 0 h 898506"/>
+                  <a:gd name="connsiteX2" fmla="*/ 1193673 w 1193673"/>
+                  <a:gd name="connsiteY2" fmla="*/ 898506 h 898506"/>
+                  <a:gd name="connsiteX3" fmla="*/ 0 w 1193673"/>
+                  <a:gd name="connsiteY3" fmla="*/ 898506 h 898506"/>
+                  <a:gd name="connsiteX0" fmla="*/ 0 w 1193673"/>
+                  <a:gd name="connsiteY0" fmla="*/ 1477626 h 1477626"/>
+                  <a:gd name="connsiteX1" fmla="*/ 429197 w 1193673"/>
+                  <a:gd name="connsiteY1" fmla="*/ 0 h 1477626"/>
+                  <a:gd name="connsiteX2" fmla="*/ 1193673 w 1193673"/>
+                  <a:gd name="connsiteY2" fmla="*/ 1477626 h 1477626"/>
+                  <a:gd name="connsiteX3" fmla="*/ 0 w 1193673"/>
+                  <a:gd name="connsiteY3" fmla="*/ 1477626 h 1477626"/>
+                  <a:gd name="connsiteX0" fmla="*/ 43243 w 764476"/>
+                  <a:gd name="connsiteY0" fmla="*/ 951846 h 1477626"/>
+                  <a:gd name="connsiteX1" fmla="*/ 0 w 764476"/>
+                  <a:gd name="connsiteY1" fmla="*/ 0 h 1477626"/>
+                  <a:gd name="connsiteX2" fmla="*/ 764476 w 764476"/>
+                  <a:gd name="connsiteY2" fmla="*/ 1477626 h 1477626"/>
+                  <a:gd name="connsiteX3" fmla="*/ 43243 w 764476"/>
+                  <a:gd name="connsiteY3" fmla="*/ 951846 h 1477626"/>
+                  <a:gd name="connsiteX0" fmla="*/ 50863 w 764476"/>
+                  <a:gd name="connsiteY0" fmla="*/ 997566 h 1477626"/>
+                  <a:gd name="connsiteX1" fmla="*/ 0 w 764476"/>
+                  <a:gd name="connsiteY1" fmla="*/ 0 h 1477626"/>
+                  <a:gd name="connsiteX2" fmla="*/ 764476 w 764476"/>
+                  <a:gd name="connsiteY2" fmla="*/ 1477626 h 1477626"/>
+                  <a:gd name="connsiteX3" fmla="*/ 50863 w 764476"/>
+                  <a:gd name="connsiteY3" fmla="*/ 997566 h 1477626"/>
+                  <a:gd name="connsiteX0" fmla="*/ 50863 w 1313116"/>
+                  <a:gd name="connsiteY0" fmla="*/ 997566 h 997566"/>
+                  <a:gd name="connsiteX1" fmla="*/ 0 w 1313116"/>
+                  <a:gd name="connsiteY1" fmla="*/ 0 h 997566"/>
+                  <a:gd name="connsiteX2" fmla="*/ 1313116 w 1313116"/>
+                  <a:gd name="connsiteY2" fmla="*/ 266046 h 997566"/>
+                  <a:gd name="connsiteX3" fmla="*/ 50863 w 1313116"/>
+                  <a:gd name="connsiteY3" fmla="*/ 997566 h 997566"/>
+                  <a:gd name="connsiteX0" fmla="*/ 50863 w 1343596"/>
+                  <a:gd name="connsiteY0" fmla="*/ 997566 h 997566"/>
+                  <a:gd name="connsiteX1" fmla="*/ 0 w 1343596"/>
+                  <a:gd name="connsiteY1" fmla="*/ 0 h 997566"/>
+                  <a:gd name="connsiteX2" fmla="*/ 1343596 w 1343596"/>
+                  <a:gd name="connsiteY2" fmla="*/ 266046 h 997566"/>
+                  <a:gd name="connsiteX3" fmla="*/ 50863 w 1343596"/>
+                  <a:gd name="connsiteY3" fmla="*/ 997566 h 997566"/>
+                  <a:gd name="connsiteX0" fmla="*/ 355663 w 1648396"/>
+                  <a:gd name="connsiteY0" fmla="*/ 974706 h 974706"/>
+                  <a:gd name="connsiteX1" fmla="*/ 0 w 1648396"/>
+                  <a:gd name="connsiteY1" fmla="*/ 0 h 974706"/>
+                  <a:gd name="connsiteX2" fmla="*/ 1648396 w 1648396"/>
+                  <a:gd name="connsiteY2" fmla="*/ 243186 h 974706"/>
+                  <a:gd name="connsiteX3" fmla="*/ 355663 w 1648396"/>
+                  <a:gd name="connsiteY3" fmla="*/ 974706 h 974706"/>
+                  <a:gd name="connsiteX0" fmla="*/ 279463 w 1572196"/>
+                  <a:gd name="connsiteY0" fmla="*/ 921366 h 921366"/>
+                  <a:gd name="connsiteX1" fmla="*/ 0 w 1572196"/>
+                  <a:gd name="connsiteY1" fmla="*/ 0 h 921366"/>
+                  <a:gd name="connsiteX2" fmla="*/ 1572196 w 1572196"/>
+                  <a:gd name="connsiteY2" fmla="*/ 189846 h 921366"/>
+                  <a:gd name="connsiteX3" fmla="*/ 279463 w 1572196"/>
+                  <a:gd name="connsiteY3" fmla="*/ 921366 h 921366"/>
+                  <a:gd name="connsiteX0" fmla="*/ 279463 w 673036"/>
+                  <a:gd name="connsiteY0" fmla="*/ 929640 h 929640"/>
+                  <a:gd name="connsiteX1" fmla="*/ 0 w 673036"/>
+                  <a:gd name="connsiteY1" fmla="*/ 8274 h 929640"/>
+                  <a:gd name="connsiteX2" fmla="*/ 673036 w 673036"/>
+                  <a:gd name="connsiteY2" fmla="*/ 0 h 929640"/>
+                  <a:gd name="connsiteX3" fmla="*/ 279463 w 673036"/>
+                  <a:gd name="connsiteY3" fmla="*/ 929640 h 929640"/>
+                  <a:gd name="connsiteX0" fmla="*/ 1292923 w 1292923"/>
+                  <a:gd name="connsiteY0" fmla="*/ 266700 h 266700"/>
+                  <a:gd name="connsiteX1" fmla="*/ 0 w 1292923"/>
+                  <a:gd name="connsiteY1" fmla="*/ 8274 h 266700"/>
+                  <a:gd name="connsiteX2" fmla="*/ 673036 w 1292923"/>
+                  <a:gd name="connsiteY2" fmla="*/ 0 h 266700"/>
+                  <a:gd name="connsiteX3" fmla="*/ 1292923 w 1292923"/>
+                  <a:gd name="connsiteY3" fmla="*/ 266700 h 266700"/>
+                  <a:gd name="connsiteX0" fmla="*/ 1300543 w 1300543"/>
+                  <a:gd name="connsiteY0" fmla="*/ 266700 h 266700"/>
+                  <a:gd name="connsiteX1" fmla="*/ 0 w 1300543"/>
+                  <a:gd name="connsiteY1" fmla="*/ 23514 h 266700"/>
+                  <a:gd name="connsiteX2" fmla="*/ 680656 w 1300543"/>
+                  <a:gd name="connsiteY2" fmla="*/ 0 h 266700"/>
+                  <a:gd name="connsiteX3" fmla="*/ 1300543 w 1300543"/>
+                  <a:gd name="connsiteY3" fmla="*/ 266700 h 266700"/>
+                </a:gdLst>
+                <a:ahLst/>
+                <a:cxnLst>
+                  <a:cxn ang="0">
+                    <a:pos x="connsiteX0" y="connsiteY0"/>
+                  </a:cxn>
+                  <a:cxn ang="0">
+                    <a:pos x="connsiteX1" y="connsiteY1"/>
+                  </a:cxn>
+                  <a:cxn ang="0">
+                    <a:pos x="connsiteX2" y="connsiteY2"/>
+                  </a:cxn>
+                  <a:cxn ang="0">
+                    <a:pos x="connsiteX3" y="connsiteY3"/>
+                  </a:cxn>
+                </a:cxnLst>
+                <a:rect l="l" t="t" r="r" b="b"/>
+                <a:pathLst>
+                  <a:path w="1300543" h="266700">
+                    <a:moveTo>
+                      <a:pt x="1300543" y="266700"/>
+                    </a:moveTo>
+                    <a:lnTo>
+                      <a:pt x="0" y="23514"/>
+                    </a:lnTo>
+                    <a:lnTo>
+                      <a:pt x="680656" y="0"/>
+                    </a:lnTo>
+                    <a:lnTo>
+                      <a:pt x="1300543" y="266700"/>
+                    </a:lnTo>
+                    <a:close/>
+                  </a:path>
+                </a:pathLst>
+              </a:custGeom>
+              <a:solidFill>
+                <a:srgbClr val="01B1E2"/>
+              </a:solidFill>
+              <a:ln>
+                <a:noFill/>
+              </a:ln>
+              <a:effectLst>
+                <a:outerShdw blurRad="50800" dist="101600" algn="l" rotWithShape="0">
+                  <a:prstClr val="black">
+                    <a:alpha val="40000"/>
+                  </a:prstClr>
+                </a:outerShdw>
+              </a:effectLst>
+            </p:spPr>
+            <p:style>
+              <a:lnRef idx="2">
+                <a:schemeClr val="accent1">
+                  <a:shade val="50000"/>
+                </a:schemeClr>
+              </a:lnRef>
+              <a:fillRef idx="1">
+                <a:schemeClr val="accent1"/>
+              </a:fillRef>
+              <a:effectRef idx="0">
+                <a:schemeClr val="accent1"/>
+              </a:effectRef>
+              <a:fontRef idx="minor">
+                <a:schemeClr val="lt1"/>
+              </a:fontRef>
+            </p:style>
+            <p:txBody>
+              <a:bodyPr anchor="ctr"/>
+              <a:lstStyle/>
+              <a:p>
+                <a:pPr algn="ctr" eaLnBrk="1" fontAlgn="auto" hangingPunct="1">
+                  <a:spcBef>
+                    <a:spcPts val="0"/>
+                  </a:spcBef>
+                  <a:spcAft>
+                    <a:spcPts val="0"/>
+                  </a:spcAft>
+                  <a:defRPr/>
+                </a:pPr>
+                <a:endParaRPr lang="zh-CN" altLang="en-US"/>
+              </a:p>
+            </p:txBody>
+          </p:sp>
+        </p:grpSp>
+      </p:grpSp>
+      <p:grpSp>
+        <p:nvGrpSpPr>
+          <p:cNvPr id="16" name="组合 3"/>
+          <p:cNvGrpSpPr>
+            <a:grpSpLocks/>
+          </p:cNvGrpSpPr>
+          <p:nvPr/>
+        </p:nvGrpSpPr>
+        <p:grpSpPr bwMode="auto">
+          <a:xfrm>
+            <a:off x="1975390" y="260350"/>
+            <a:ext cx="7613650" cy="0"/>
+            <a:chOff x="4578283" y="2075543"/>
+            <a:chExt cx="7613717" cy="0"/>
+          </a:xfrm>
+        </p:grpSpPr>
+        <p:cxnSp>
+          <p:nvCxnSpPr>
+            <p:cNvPr id="17" name="直接连接符 16"/>
+            <p:cNvCxnSpPr/>
+            <p:nvPr/>
+          </p:nvCxnSpPr>
+          <p:spPr>
+            <a:xfrm>
+              <a:off x="4578283" y="2075543"/>
+              <a:ext cx="6327831" cy="0"/>
+            </a:xfrm>
+            <a:prstGeom prst="line">
+              <a:avLst/>
+            </a:prstGeom>
+            <a:ln w="28575">
+              <a:solidFill>
+                <a:srgbClr val="0095DB"/>
+              </a:solidFill>
+            </a:ln>
+          </p:spPr>
+          <p:style>
+            <a:lnRef idx="1">
+              <a:schemeClr val="accent1"/>
+            </a:lnRef>
+            <a:fillRef idx="0">
+              <a:schemeClr val="accent1"/>
+            </a:fillRef>
+            <a:effectRef idx="0">
+              <a:schemeClr val="accent1"/>
+            </a:effectRef>
+            <a:fontRef idx="minor">
+              <a:schemeClr val="tx1"/>
+            </a:fontRef>
+          </p:style>
+        </p:cxnSp>
+        <p:cxnSp>
+          <p:nvCxnSpPr>
+            <p:cNvPr id="18" name="直接连接符 17"/>
+            <p:cNvCxnSpPr/>
+            <p:nvPr/>
+          </p:nvCxnSpPr>
+          <p:spPr>
+            <a:xfrm>
+              <a:off x="9070948" y="2075543"/>
+              <a:ext cx="3121052" cy="0"/>
+            </a:xfrm>
+            <a:prstGeom prst="line">
+              <a:avLst/>
+            </a:prstGeom>
+            <a:ln w="28575">
+              <a:solidFill>
+                <a:srgbClr val="074693"/>
+              </a:solidFill>
+            </a:ln>
+          </p:spPr>
+          <p:style>
+            <a:lnRef idx="1">
+              <a:schemeClr val="accent1"/>
+            </a:lnRef>
+            <a:fillRef idx="0">
+              <a:schemeClr val="accent1"/>
+            </a:fillRef>
+            <a:effectRef idx="0">
+              <a:schemeClr val="accent1"/>
+            </a:effectRef>
+            <a:fontRef idx="minor">
+              <a:schemeClr val="tx1"/>
+            </a:fontRef>
+          </p:style>
+        </p:cxnSp>
+      </p:grpSp>
+      <p:grpSp>
+        <p:nvGrpSpPr>
+          <p:cNvPr id="19" name="组合 2"/>
+          <p:cNvGrpSpPr>
+            <a:grpSpLocks/>
+          </p:cNvGrpSpPr>
+          <p:nvPr/>
+        </p:nvGrpSpPr>
+        <p:grpSpPr bwMode="auto">
+          <a:xfrm>
+            <a:off x="2329986" y="6638925"/>
+            <a:ext cx="8099425" cy="4763"/>
+            <a:chOff x="0" y="4592805"/>
+            <a:chExt cx="8098971" cy="5049"/>
+          </a:xfrm>
+        </p:grpSpPr>
+        <p:cxnSp>
+          <p:nvCxnSpPr>
+            <p:cNvPr id="20" name="直接连接符 19"/>
+            <p:cNvCxnSpPr/>
+            <p:nvPr/>
+          </p:nvCxnSpPr>
+          <p:spPr>
+            <a:xfrm>
+              <a:off x="0" y="4592805"/>
+              <a:ext cx="8098971" cy="0"/>
+            </a:xfrm>
+            <a:prstGeom prst="line">
+              <a:avLst/>
+            </a:prstGeom>
+            <a:ln w="28575">
+              <a:solidFill>
+                <a:srgbClr val="074693"/>
+              </a:solidFill>
+            </a:ln>
+          </p:spPr>
+          <p:style>
+            <a:lnRef idx="1">
+              <a:schemeClr val="accent1"/>
+            </a:lnRef>
+            <a:fillRef idx="0">
+              <a:schemeClr val="accent1"/>
+            </a:fillRef>
+            <a:effectRef idx="0">
+              <a:schemeClr val="accent1"/>
+            </a:effectRef>
+            <a:fontRef idx="minor">
+              <a:schemeClr val="tx1"/>
+            </a:fontRef>
+          </p:style>
+        </p:cxnSp>
+        <p:cxnSp>
+          <p:nvCxnSpPr>
+            <p:cNvPr id="21" name="直接连接符 20"/>
+            <p:cNvCxnSpPr/>
+            <p:nvPr/>
+          </p:nvCxnSpPr>
+          <p:spPr>
+            <a:xfrm>
+              <a:off x="0" y="4597854"/>
+              <a:ext cx="3990751" cy="0"/>
+            </a:xfrm>
+            <a:prstGeom prst="line">
+              <a:avLst/>
+            </a:prstGeom>
+            <a:ln w="28575">
+              <a:solidFill>
+                <a:srgbClr val="0095DB"/>
+              </a:solidFill>
+            </a:ln>
+          </p:spPr>
+          <p:style>
+            <a:lnRef idx="1">
+              <a:schemeClr val="accent1"/>
+            </a:lnRef>
+            <a:fillRef idx="0">
+              <a:schemeClr val="accent1"/>
+            </a:fillRef>
+            <a:effectRef idx="0">
+              <a:schemeClr val="accent1"/>
+            </a:effectRef>
+            <a:fontRef idx="minor">
+              <a:schemeClr val="tx1"/>
+            </a:fontRef>
+          </p:style>
+        </p:cxnSp>
+      </p:grpSp>
+      <p:sp>
+        <p:nvSpPr>
+          <p:cNvPr id="2" name="矩形 1"/>
+          <p:cNvSpPr/>
+          <p:nvPr/>
+        </p:nvSpPr>
+        <p:spPr>
+          <a:xfrm>
+            <a:off x="1255594" y="634779"/>
+            <a:ext cx="4685898" cy="4801314"/>
+          </a:xfrm>
+          <a:prstGeom prst="rect">
+            <a:avLst/>
+          </a:prstGeom>
+        </p:spPr>
+        <p:txBody>
+          <a:bodyPr wrap="none">
+            <a:spAutoFit/>
+          </a:bodyPr>
+          <a:lstStyle/>
+          <a:p>
+            <a:r>
+              <a:rPr lang="zh-CN" altLang="en-US" b="1" dirty="0" smtClean="0"/>
+              <a:t>首先介绍</a:t>
+            </a:r>
+            <a:r>
+              <a:rPr lang="en-US" altLang="zh-CN" b="1" dirty="0" smtClean="0"/>
+              <a:t>demo</a:t>
+            </a:r>
+            <a:r>
+              <a:rPr lang="zh-CN" altLang="en-US" b="1" dirty="0" smtClean="0"/>
+              <a:t>中用到的数据集及其内容结构</a:t>
+            </a:r>
+            <a:endParaRPr lang="en-US" altLang="zh-CN" b="1" dirty="0" smtClean="0"/>
+          </a:p>
+          <a:p>
+            <a:endParaRPr lang="en-US" altLang="zh-CN" dirty="0" smtClean="0"/>
+          </a:p>
+          <a:p>
+            <a:r>
+              <a:rPr lang="zh-CN" altLang="en-US" dirty="0" smtClean="0"/>
+              <a:t>训练集trainingDigits：</a:t>
+            </a:r>
+            <a:endParaRPr lang="en-US" altLang="zh-CN" dirty="0" smtClean="0"/>
+          </a:p>
+          <a:p>
+            <a:endParaRPr lang="en-US" altLang="zh-CN" dirty="0"/>
+          </a:p>
+          <a:p>
+            <a:endParaRPr lang="en-US" altLang="zh-CN" dirty="0" smtClean="0"/>
+          </a:p>
+          <a:p>
+            <a:r>
+              <a:rPr lang="zh-CN" altLang="en-US" dirty="0"/>
+              <a:t>右</a:t>
+            </a:r>
+            <a:r>
+              <a:rPr lang="zh-CN" altLang="en-US" dirty="0" smtClean="0"/>
+              <a:t>图</a:t>
+            </a:r>
+            <a:r>
+              <a:rPr lang="en-US" altLang="zh-CN" dirty="0" smtClean="0"/>
+              <a:t>1</a:t>
+            </a:r>
+            <a:r>
+              <a:rPr lang="zh-CN" altLang="en-US" dirty="0" smtClean="0"/>
+              <a:t>为</a:t>
+            </a:r>
+            <a:r>
+              <a:rPr lang="en-US" altLang="zh-CN" dirty="0" err="1" smtClean="0"/>
+              <a:t>trainingDigits</a:t>
+            </a:r>
+            <a:endParaRPr lang="en-US" altLang="zh-CN" dirty="0" smtClean="0"/>
+          </a:p>
+          <a:p>
+            <a:r>
+              <a:rPr lang="zh-CN" altLang="en-US" dirty="0" smtClean="0"/>
+              <a:t>文件夹内容，近</a:t>
+            </a:r>
+            <a:r>
+              <a:rPr lang="en-US" altLang="zh-CN" dirty="0" smtClean="0"/>
+              <a:t>2000</a:t>
+            </a:r>
+          </a:p>
+          <a:p>
+            <a:r>
+              <a:rPr lang="zh-CN" altLang="en-US" dirty="0" smtClean="0"/>
+              <a:t>个文件。第一个数字</a:t>
+            </a:r>
+            <a:endParaRPr lang="en-US" altLang="zh-CN" dirty="0" smtClean="0"/>
+          </a:p>
+          <a:p>
+            <a:r>
+              <a:rPr lang="zh-CN" altLang="en-US" dirty="0" smtClean="0"/>
+              <a:t>为数据标签，第二个</a:t>
+            </a:r>
+            <a:endParaRPr lang="en-US" altLang="zh-CN" dirty="0" smtClean="0"/>
+          </a:p>
+          <a:p>
+            <a:r>
+              <a:rPr lang="zh-CN" altLang="en-US" dirty="0" smtClean="0"/>
+              <a:t>数字为其个数排序。</a:t>
+            </a:r>
+            <a:endParaRPr lang="en-US" altLang="zh-CN" dirty="0" smtClean="0"/>
+          </a:p>
+          <a:p>
+            <a:endParaRPr lang="en-US" altLang="zh-CN" dirty="0" smtClean="0"/>
+          </a:p>
+          <a:p>
+            <a:r>
+              <a:rPr lang="zh-CN" altLang="en-US" dirty="0" smtClean="0"/>
+              <a:t>右图</a:t>
+            </a:r>
+            <a:r>
+              <a:rPr lang="en-US" altLang="zh-CN" dirty="0" smtClean="0"/>
+              <a:t>2</a:t>
+            </a:r>
+            <a:r>
+              <a:rPr lang="zh-CN" altLang="en-US" dirty="0" smtClean="0"/>
+              <a:t>为</a:t>
+            </a:r>
+            <a:r>
+              <a:rPr lang="en-US" altLang="zh-CN" dirty="0" smtClean="0"/>
+              <a:t>32×32</a:t>
+            </a:r>
+            <a:r>
+              <a:rPr lang="zh-CN" altLang="en-US" dirty="0" smtClean="0"/>
+              <a:t>的</a:t>
+            </a:r>
+            <a:r>
+              <a:rPr lang="en-US" altLang="zh-CN" dirty="0" smtClean="0"/>
+              <a:t>0,1</a:t>
+            </a:r>
+          </a:p>
+          <a:p>
+            <a:r>
+              <a:rPr lang="zh-CN" altLang="en-US" dirty="0" smtClean="0"/>
+              <a:t>矩阵，数字为</a:t>
+            </a:r>
+            <a:r>
+              <a:rPr lang="en-US" altLang="zh-CN" dirty="0" smtClean="0"/>
+              <a:t>0</a:t>
+            </a:r>
+            <a:r>
+              <a:rPr lang="zh-CN" altLang="en-US" dirty="0" smtClean="0"/>
+              <a:t>。</a:t>
+            </a:r>
+            <a:endParaRPr lang="en-US" altLang="zh-CN" dirty="0"/>
+          </a:p>
+          <a:p>
+            <a:endParaRPr lang="en-US" altLang="zh-CN" dirty="0" smtClean="0"/>
+          </a:p>
+          <a:p>
+            <a:r>
+              <a:rPr lang="en-US" altLang="zh-CN" dirty="0" err="1" smtClean="0"/>
+              <a:t>testDigits</a:t>
+            </a:r>
+            <a:r>
+              <a:rPr lang="zh-CN" altLang="en-US" dirty="0" smtClean="0"/>
+              <a:t>也相同，有</a:t>
+            </a:r>
+            <a:endParaRPr lang="en-US" altLang="zh-CN" dirty="0" smtClean="0"/>
+          </a:p>
+          <a:p>
+            <a:r>
+              <a:rPr lang="zh-CN" altLang="en-US" dirty="0" smtClean="0"/>
+              <a:t>近</a:t>
+            </a:r>
+            <a:r>
+              <a:rPr lang="en-US" altLang="zh-CN" dirty="0" smtClean="0"/>
+              <a:t>1000</a:t>
+            </a:r>
+            <a:r>
+              <a:rPr lang="zh-CN" altLang="en-US" dirty="0" smtClean="0"/>
+              <a:t>个文件。</a:t>
+            </a:r>
+            <a:endParaRPr lang="en-US" altLang="zh-CN" dirty="0" smtClean="0"/>
+          </a:p>
+          <a:p>
+            <a:endParaRPr lang="zh-CN" altLang="en-US" dirty="0"/>
+          </a:p>
+        </p:txBody>
+      </p:sp>
+      <p:pic>
+        <p:nvPicPr>
+          <p:cNvPr id="3" name="图片 2"/>
+          <p:cNvPicPr>
+            <a:picLocks noChangeAspect="1"/>
+          </p:cNvPicPr>
+          <p:nvPr/>
+        </p:nvPicPr>
+        <p:blipFill>
+          <a:blip r:embed="rId4"/>
+          <a:stretch>
+            <a:fillRect/>
+          </a:stretch>
+        </p:blipFill>
+        <p:spPr>
+          <a:xfrm>
+            <a:off x="3477228" y="1239836"/>
+            <a:ext cx="4181475" cy="4019550"/>
+          </a:xfrm>
+          <a:prstGeom prst="rect">
+            <a:avLst/>
+          </a:prstGeom>
+        </p:spPr>
+      </p:pic>
+      <p:pic>
+        <p:nvPicPr>
+          <p:cNvPr id="23" name="图片 22"/>
+          <p:cNvPicPr>
+            <a:picLocks noChangeAspect="1"/>
+          </p:cNvPicPr>
+          <p:nvPr/>
+        </p:nvPicPr>
+        <p:blipFill>
+          <a:blip r:embed="rId5"/>
+          <a:stretch>
+            <a:fillRect/>
+          </a:stretch>
+        </p:blipFill>
+        <p:spPr>
+          <a:xfrm>
+            <a:off x="8241252" y="995785"/>
+            <a:ext cx="2695575" cy="4552950"/>
+          </a:xfrm>
+          <a:prstGeom prst="rect">
+            <a:avLst/>
+          </a:prstGeom>
+        </p:spPr>
+      </p:pic>
+    </p:spTree>
+    <p:extLst>
+      <p:ext uri="{BB962C8B-B14F-4D97-AF65-F5344CB8AC3E}">
+        <p14:creationId xmlns:p14="http://schemas.microsoft.com/office/powerpoint/2010/main" val="593113406"/>
+      </p:ext>
+    </p:extLst>
+  </p:cSld>
+  <p:clrMapOvr>
+    <a:masterClrMapping/>
+  </p:clrMapOvr>
+  <p:timing>
+    <p:tnLst>
+      <p:par>
+        <p:cTn id="1" dur="indefinite" restart="never" nodeType="tmRoot"/>
+      </p:par>
+    </p:tnLst>
+  </p:timing>
+</p:sld>
+</file>
+
+<file path=ppt/slides/slide4.xml><?xml version="1.0" encoding="utf-8"?>
+<p:sld xmlns:a="http://schemas.openxmlformats.org/drawingml/2006/main" xmlns:r="http://schemas.openxmlformats.org/officeDocument/2006/relationships" xmlns:p="http://schemas.openxmlformats.org/presentationml/2006/main">
+  <p:cSld>
+    <p:spTree>
+      <p:nvGrpSpPr>
+        <p:cNvPr id="1" name=""/>
+        <p:cNvGrpSpPr/>
+        <p:nvPr/>
+      </p:nvGrpSpPr>
+      <p:grpSpPr>
+        <a:xfrm>
+          <a:off x="0" y="0"/>
+          <a:ext cx="0" cy="0"/>
+          <a:chOff x="0" y="0"/>
+          <a:chExt cx="0" cy="0"/>
+        </a:xfrm>
+      </p:grpSpPr>
+      <p:grpSp>
+        <p:nvGrpSpPr>
+          <p:cNvPr id="4" name="组合 25"/>
+          <p:cNvGrpSpPr>
+            <a:grpSpLocks/>
+          </p:cNvGrpSpPr>
+          <p:nvPr/>
+        </p:nvGrpSpPr>
+        <p:grpSpPr bwMode="auto">
+          <a:xfrm>
+            <a:off x="-117694" y="-187325"/>
+            <a:ext cx="1754186" cy="1427161"/>
+            <a:chOff x="-419101" y="-651218"/>
+            <a:chExt cx="6413260" cy="5211985"/>
+          </a:xfrm>
+        </p:grpSpPr>
+        <p:pic>
+          <p:nvPicPr>
+            <p:cNvPr id="5" name="图片 26"/>
+            <p:cNvPicPr>
+              <a:picLocks noChangeAspect="1"/>
+            </p:cNvPicPr>
+            <p:nvPr/>
+          </p:nvPicPr>
+          <p:blipFill rotWithShape="1">
+            <a:blip r:embed="rId3" cstate="print">
+              <a:clrChange>
+                <a:clrFrom>
+                  <a:srgbClr val="1A2026"/>
+                </a:clrFrom>
+                <a:clrTo>
+                  <a:srgbClr val="1A2026">
+                    <a:alpha val="0"/>
+                  </a:srgbClr>
+                </a:clrTo>
+              </a:clrChange>
+              <a:extLst>
+                <a:ext uri="{28A0092B-C50C-407E-A947-70E740481C1C}">
+                  <a14:useLocalDpi xmlns:a14="http://schemas.microsoft.com/office/drawing/2010/main" val="0"/>
+                </a:ext>
+              </a:extLst>
+            </a:blip>
+            <a:srcRect t="-2" r="8922" b="40222"/>
+            <a:stretch/>
+          </p:blipFill>
+          <p:spPr bwMode="auto">
+            <a:xfrm>
+              <a:off x="-419101" y="-651218"/>
+              <a:ext cx="5020706" cy="5211985"/>
+            </a:xfrm>
+            <a:prstGeom prst="rect">
+              <a:avLst/>
+            </a:prstGeom>
+            <a:noFill/>
+            <a:ln>
+              <a:noFill/>
+            </a:ln>
+            <a:extLst>
+              <a:ext uri="{909E8E84-426E-40DD-AFC4-6F175D3DCCD1}">
+                <a14:hiddenFill xmlns:a14="http://schemas.microsoft.com/office/drawing/2010/main">
+                  <a:solidFill>
+                    <a:srgbClr val="FFFFFF"/>
+                  </a:solidFill>
+                </a14:hiddenFill>
+              </a:ext>
+              <a:ext uri="{91240B29-F687-4F45-9708-019B960494DF}">
+                <a14:hiddenLine xmlns:a14="http://schemas.microsoft.com/office/drawing/2010/main" w="9525">
+                  <a:solidFill>
+                    <a:srgbClr val="000000"/>
+                  </a:solidFill>
+                  <a:miter lim="800000"/>
+                  <a:headEnd/>
+                  <a:tailEnd/>
+                </a14:hiddenLine>
+              </a:ext>
+            </a:extLst>
+          </p:spPr>
+        </p:pic>
+        <p:grpSp>
+          <p:nvGrpSpPr>
+            <p:cNvPr id="6" name="组合 35"/>
+            <p:cNvGrpSpPr>
+              <a:grpSpLocks/>
+            </p:cNvGrpSpPr>
+            <p:nvPr/>
+          </p:nvGrpSpPr>
+          <p:grpSpPr bwMode="auto">
+            <a:xfrm>
+              <a:off x="4650563" y="-28418"/>
+              <a:ext cx="1343596" cy="1008973"/>
+              <a:chOff x="4650563" y="-28418"/>
+              <a:chExt cx="1343596" cy="1008973"/>
+            </a:xfrm>
+          </p:grpSpPr>
+          <p:sp>
+            <p:nvSpPr>
+              <p:cNvPr id="7" name="等腰三角形 2"/>
+              <p:cNvSpPr/>
+              <p:nvPr/>
+            </p:nvSpPr>
+            <p:spPr>
+              <a:xfrm>
+                <a:off x="4630254" y="-19288"/>
+                <a:ext cx="1363905" cy="997181"/>
+              </a:xfrm>
+              <a:custGeom>
+                <a:avLst/>
+                <a:gdLst>
+                  <a:gd name="connsiteX0" fmla="*/ 0 w 1193673"/>
+                  <a:gd name="connsiteY0" fmla="*/ 898506 h 898506"/>
+                  <a:gd name="connsiteX1" fmla="*/ 596837 w 1193673"/>
+                  <a:gd name="connsiteY1" fmla="*/ 0 h 898506"/>
+                  <a:gd name="connsiteX2" fmla="*/ 1193673 w 1193673"/>
+                  <a:gd name="connsiteY2" fmla="*/ 898506 h 898506"/>
+                  <a:gd name="connsiteX3" fmla="*/ 0 w 1193673"/>
+                  <a:gd name="connsiteY3" fmla="*/ 898506 h 898506"/>
+                  <a:gd name="connsiteX0" fmla="*/ 0 w 1193673"/>
+                  <a:gd name="connsiteY0" fmla="*/ 1477626 h 1477626"/>
+                  <a:gd name="connsiteX1" fmla="*/ 429197 w 1193673"/>
+                  <a:gd name="connsiteY1" fmla="*/ 0 h 1477626"/>
+                  <a:gd name="connsiteX2" fmla="*/ 1193673 w 1193673"/>
+                  <a:gd name="connsiteY2" fmla="*/ 1477626 h 1477626"/>
+                  <a:gd name="connsiteX3" fmla="*/ 0 w 1193673"/>
+                  <a:gd name="connsiteY3" fmla="*/ 1477626 h 1477626"/>
+                  <a:gd name="connsiteX0" fmla="*/ 43243 w 764476"/>
+                  <a:gd name="connsiteY0" fmla="*/ 951846 h 1477626"/>
+                  <a:gd name="connsiteX1" fmla="*/ 0 w 764476"/>
+                  <a:gd name="connsiteY1" fmla="*/ 0 h 1477626"/>
+                  <a:gd name="connsiteX2" fmla="*/ 764476 w 764476"/>
+                  <a:gd name="connsiteY2" fmla="*/ 1477626 h 1477626"/>
+                  <a:gd name="connsiteX3" fmla="*/ 43243 w 764476"/>
+                  <a:gd name="connsiteY3" fmla="*/ 951846 h 1477626"/>
+                  <a:gd name="connsiteX0" fmla="*/ 50863 w 764476"/>
+                  <a:gd name="connsiteY0" fmla="*/ 997566 h 1477626"/>
+                  <a:gd name="connsiteX1" fmla="*/ 0 w 764476"/>
+                  <a:gd name="connsiteY1" fmla="*/ 0 h 1477626"/>
+                  <a:gd name="connsiteX2" fmla="*/ 764476 w 764476"/>
+                  <a:gd name="connsiteY2" fmla="*/ 1477626 h 1477626"/>
+                  <a:gd name="connsiteX3" fmla="*/ 50863 w 764476"/>
+                  <a:gd name="connsiteY3" fmla="*/ 997566 h 1477626"/>
+                  <a:gd name="connsiteX0" fmla="*/ 50863 w 1313116"/>
+                  <a:gd name="connsiteY0" fmla="*/ 997566 h 997566"/>
+                  <a:gd name="connsiteX1" fmla="*/ 0 w 1313116"/>
+                  <a:gd name="connsiteY1" fmla="*/ 0 h 997566"/>
+                  <a:gd name="connsiteX2" fmla="*/ 1313116 w 1313116"/>
+                  <a:gd name="connsiteY2" fmla="*/ 266046 h 997566"/>
+                  <a:gd name="connsiteX3" fmla="*/ 50863 w 1313116"/>
+                  <a:gd name="connsiteY3" fmla="*/ 997566 h 997566"/>
+                  <a:gd name="connsiteX0" fmla="*/ 50863 w 1343596"/>
+                  <a:gd name="connsiteY0" fmla="*/ 997566 h 997566"/>
+                  <a:gd name="connsiteX1" fmla="*/ 0 w 1343596"/>
+                  <a:gd name="connsiteY1" fmla="*/ 0 h 997566"/>
+                  <a:gd name="connsiteX2" fmla="*/ 1343596 w 1343596"/>
+                  <a:gd name="connsiteY2" fmla="*/ 266046 h 997566"/>
+                  <a:gd name="connsiteX3" fmla="*/ 50863 w 1343596"/>
+                  <a:gd name="connsiteY3" fmla="*/ 997566 h 997566"/>
+                </a:gdLst>
+                <a:ahLst/>
+                <a:cxnLst>
+                  <a:cxn ang="0">
+                    <a:pos x="connsiteX0" y="connsiteY0"/>
+                  </a:cxn>
+                  <a:cxn ang="0">
+                    <a:pos x="connsiteX1" y="connsiteY1"/>
+                  </a:cxn>
+                  <a:cxn ang="0">
+                    <a:pos x="connsiteX2" y="connsiteY2"/>
+                  </a:cxn>
+                  <a:cxn ang="0">
+                    <a:pos x="connsiteX3" y="connsiteY3"/>
+                  </a:cxn>
+                </a:cxnLst>
+                <a:rect l="l" t="t" r="r" b="b"/>
+                <a:pathLst>
+                  <a:path w="1343596" h="997566">
+                    <a:moveTo>
+                      <a:pt x="50863" y="997566"/>
+                    </a:moveTo>
+                    <a:lnTo>
+                      <a:pt x="0" y="0"/>
+                    </a:lnTo>
+                    <a:lnTo>
+                      <a:pt x="1343596" y="266046"/>
+                    </a:lnTo>
+                    <a:lnTo>
+                      <a:pt x="50863" y="997566"/>
+                    </a:lnTo>
+                    <a:close/>
+                  </a:path>
+                </a:pathLst>
+              </a:custGeom>
+              <a:solidFill>
+                <a:srgbClr val="04397B"/>
+              </a:solidFill>
+              <a:ln>
+                <a:noFill/>
+              </a:ln>
+              <a:effectLst>
+                <a:outerShdw blurRad="127000" dist="101600" dir="5400000" algn="t" rotWithShape="0">
+                  <a:prstClr val="black">
+                    <a:alpha val="40000"/>
+                  </a:prstClr>
+                </a:outerShdw>
+              </a:effectLst>
+            </p:spPr>
+            <p:style>
+              <a:lnRef idx="2">
+                <a:schemeClr val="accent1">
+                  <a:shade val="50000"/>
+                </a:schemeClr>
+              </a:lnRef>
+              <a:fillRef idx="1">
+                <a:schemeClr val="accent1"/>
+              </a:fillRef>
+              <a:effectRef idx="0">
+                <a:schemeClr val="accent1"/>
+              </a:effectRef>
+              <a:fontRef idx="minor">
+                <a:schemeClr val="lt1"/>
+              </a:fontRef>
+            </p:style>
+            <p:txBody>
+              <a:bodyPr anchor="ctr"/>
+              <a:lstStyle/>
+              <a:p>
+                <a:pPr algn="ctr" eaLnBrk="1" fontAlgn="auto" hangingPunct="1">
+                  <a:spcBef>
+                    <a:spcPts val="0"/>
+                  </a:spcBef>
+                  <a:spcAft>
+                    <a:spcPts val="0"/>
+                  </a:spcAft>
+                  <a:defRPr/>
+                </a:pPr>
+                <a:endParaRPr lang="zh-CN" altLang="en-US"/>
+              </a:p>
+            </p:txBody>
+          </p:sp>
+          <p:sp>
+            <p:nvSpPr>
+              <p:cNvPr id="8" name="等腰三角形 2"/>
+              <p:cNvSpPr/>
+              <p:nvPr/>
+            </p:nvSpPr>
+            <p:spPr>
+              <a:xfrm>
+                <a:off x="4682487" y="-30883"/>
+                <a:ext cx="1305870" cy="266691"/>
+              </a:xfrm>
+              <a:custGeom>
+                <a:avLst/>
+                <a:gdLst>
+                  <a:gd name="connsiteX0" fmla="*/ 0 w 1193673"/>
+                  <a:gd name="connsiteY0" fmla="*/ 898506 h 898506"/>
+                  <a:gd name="connsiteX1" fmla="*/ 596837 w 1193673"/>
+                  <a:gd name="connsiteY1" fmla="*/ 0 h 898506"/>
+                  <a:gd name="connsiteX2" fmla="*/ 1193673 w 1193673"/>
+                  <a:gd name="connsiteY2" fmla="*/ 898506 h 898506"/>
+                  <a:gd name="connsiteX3" fmla="*/ 0 w 1193673"/>
+                  <a:gd name="connsiteY3" fmla="*/ 898506 h 898506"/>
+                  <a:gd name="connsiteX0" fmla="*/ 0 w 1193673"/>
+                  <a:gd name="connsiteY0" fmla="*/ 1477626 h 1477626"/>
+                  <a:gd name="connsiteX1" fmla="*/ 429197 w 1193673"/>
+                  <a:gd name="connsiteY1" fmla="*/ 0 h 1477626"/>
+                  <a:gd name="connsiteX2" fmla="*/ 1193673 w 1193673"/>
+                  <a:gd name="connsiteY2" fmla="*/ 1477626 h 1477626"/>
+                  <a:gd name="connsiteX3" fmla="*/ 0 w 1193673"/>
+                  <a:gd name="connsiteY3" fmla="*/ 1477626 h 1477626"/>
+                  <a:gd name="connsiteX0" fmla="*/ 43243 w 764476"/>
+                  <a:gd name="connsiteY0" fmla="*/ 951846 h 1477626"/>
+                  <a:gd name="connsiteX1" fmla="*/ 0 w 764476"/>
+                  <a:gd name="connsiteY1" fmla="*/ 0 h 1477626"/>
+                  <a:gd name="connsiteX2" fmla="*/ 764476 w 764476"/>
+                  <a:gd name="connsiteY2" fmla="*/ 1477626 h 1477626"/>
+                  <a:gd name="connsiteX3" fmla="*/ 43243 w 764476"/>
+                  <a:gd name="connsiteY3" fmla="*/ 951846 h 1477626"/>
+                  <a:gd name="connsiteX0" fmla="*/ 50863 w 764476"/>
+                  <a:gd name="connsiteY0" fmla="*/ 997566 h 1477626"/>
+                  <a:gd name="connsiteX1" fmla="*/ 0 w 764476"/>
+                  <a:gd name="connsiteY1" fmla="*/ 0 h 1477626"/>
+                  <a:gd name="connsiteX2" fmla="*/ 764476 w 764476"/>
+                  <a:gd name="connsiteY2" fmla="*/ 1477626 h 1477626"/>
+                  <a:gd name="connsiteX3" fmla="*/ 50863 w 764476"/>
+                  <a:gd name="connsiteY3" fmla="*/ 997566 h 1477626"/>
+                  <a:gd name="connsiteX0" fmla="*/ 50863 w 1313116"/>
+                  <a:gd name="connsiteY0" fmla="*/ 997566 h 997566"/>
+                  <a:gd name="connsiteX1" fmla="*/ 0 w 1313116"/>
+                  <a:gd name="connsiteY1" fmla="*/ 0 h 997566"/>
+                  <a:gd name="connsiteX2" fmla="*/ 1313116 w 1313116"/>
+                  <a:gd name="connsiteY2" fmla="*/ 266046 h 997566"/>
+                  <a:gd name="connsiteX3" fmla="*/ 50863 w 1313116"/>
+                  <a:gd name="connsiteY3" fmla="*/ 997566 h 997566"/>
+                  <a:gd name="connsiteX0" fmla="*/ 50863 w 1343596"/>
+                  <a:gd name="connsiteY0" fmla="*/ 997566 h 997566"/>
+                  <a:gd name="connsiteX1" fmla="*/ 0 w 1343596"/>
+                  <a:gd name="connsiteY1" fmla="*/ 0 h 997566"/>
+                  <a:gd name="connsiteX2" fmla="*/ 1343596 w 1343596"/>
+                  <a:gd name="connsiteY2" fmla="*/ 266046 h 997566"/>
+                  <a:gd name="connsiteX3" fmla="*/ 50863 w 1343596"/>
+                  <a:gd name="connsiteY3" fmla="*/ 997566 h 997566"/>
+                  <a:gd name="connsiteX0" fmla="*/ 355663 w 1648396"/>
+                  <a:gd name="connsiteY0" fmla="*/ 974706 h 974706"/>
+                  <a:gd name="connsiteX1" fmla="*/ 0 w 1648396"/>
+                  <a:gd name="connsiteY1" fmla="*/ 0 h 974706"/>
+                  <a:gd name="connsiteX2" fmla="*/ 1648396 w 1648396"/>
+                  <a:gd name="connsiteY2" fmla="*/ 243186 h 974706"/>
+                  <a:gd name="connsiteX3" fmla="*/ 355663 w 1648396"/>
+                  <a:gd name="connsiteY3" fmla="*/ 974706 h 974706"/>
+                  <a:gd name="connsiteX0" fmla="*/ 279463 w 1572196"/>
+                  <a:gd name="connsiteY0" fmla="*/ 921366 h 921366"/>
+                  <a:gd name="connsiteX1" fmla="*/ 0 w 1572196"/>
+                  <a:gd name="connsiteY1" fmla="*/ 0 h 921366"/>
+                  <a:gd name="connsiteX2" fmla="*/ 1572196 w 1572196"/>
+                  <a:gd name="connsiteY2" fmla="*/ 189846 h 921366"/>
+                  <a:gd name="connsiteX3" fmla="*/ 279463 w 1572196"/>
+                  <a:gd name="connsiteY3" fmla="*/ 921366 h 921366"/>
+                  <a:gd name="connsiteX0" fmla="*/ 279463 w 673036"/>
+                  <a:gd name="connsiteY0" fmla="*/ 929640 h 929640"/>
+                  <a:gd name="connsiteX1" fmla="*/ 0 w 673036"/>
+                  <a:gd name="connsiteY1" fmla="*/ 8274 h 929640"/>
+                  <a:gd name="connsiteX2" fmla="*/ 673036 w 673036"/>
+                  <a:gd name="connsiteY2" fmla="*/ 0 h 929640"/>
+                  <a:gd name="connsiteX3" fmla="*/ 279463 w 673036"/>
+                  <a:gd name="connsiteY3" fmla="*/ 929640 h 929640"/>
+                  <a:gd name="connsiteX0" fmla="*/ 1292923 w 1292923"/>
+                  <a:gd name="connsiteY0" fmla="*/ 266700 h 266700"/>
+                  <a:gd name="connsiteX1" fmla="*/ 0 w 1292923"/>
+                  <a:gd name="connsiteY1" fmla="*/ 8274 h 266700"/>
+                  <a:gd name="connsiteX2" fmla="*/ 673036 w 1292923"/>
+                  <a:gd name="connsiteY2" fmla="*/ 0 h 266700"/>
+                  <a:gd name="connsiteX3" fmla="*/ 1292923 w 1292923"/>
+                  <a:gd name="connsiteY3" fmla="*/ 266700 h 266700"/>
+                  <a:gd name="connsiteX0" fmla="*/ 1300543 w 1300543"/>
+                  <a:gd name="connsiteY0" fmla="*/ 266700 h 266700"/>
+                  <a:gd name="connsiteX1" fmla="*/ 0 w 1300543"/>
+                  <a:gd name="connsiteY1" fmla="*/ 23514 h 266700"/>
+                  <a:gd name="connsiteX2" fmla="*/ 680656 w 1300543"/>
+                  <a:gd name="connsiteY2" fmla="*/ 0 h 266700"/>
+                  <a:gd name="connsiteX3" fmla="*/ 1300543 w 1300543"/>
+                  <a:gd name="connsiteY3" fmla="*/ 266700 h 266700"/>
+                </a:gdLst>
+                <a:ahLst/>
+                <a:cxnLst>
+                  <a:cxn ang="0">
+                    <a:pos x="connsiteX0" y="connsiteY0"/>
+                  </a:cxn>
+                  <a:cxn ang="0">
+                    <a:pos x="connsiteX1" y="connsiteY1"/>
+                  </a:cxn>
+                  <a:cxn ang="0">
+                    <a:pos x="connsiteX2" y="connsiteY2"/>
+                  </a:cxn>
+                  <a:cxn ang="0">
+                    <a:pos x="connsiteX3" y="connsiteY3"/>
+                  </a:cxn>
+                </a:cxnLst>
+                <a:rect l="l" t="t" r="r" b="b"/>
+                <a:pathLst>
+                  <a:path w="1300543" h="266700">
+                    <a:moveTo>
+                      <a:pt x="1300543" y="266700"/>
+                    </a:moveTo>
+                    <a:lnTo>
+                      <a:pt x="0" y="23514"/>
+                    </a:lnTo>
+                    <a:lnTo>
+                      <a:pt x="680656" y="0"/>
+                    </a:lnTo>
+                    <a:lnTo>
+                      <a:pt x="1300543" y="266700"/>
+                    </a:lnTo>
+                    <a:close/>
+                  </a:path>
+                </a:pathLst>
+              </a:custGeom>
+              <a:solidFill>
+                <a:srgbClr val="01B1E2"/>
+              </a:solidFill>
+              <a:ln>
+                <a:noFill/>
+              </a:ln>
+              <a:effectLst>
+                <a:outerShdw blurRad="50800" dist="101600" algn="l" rotWithShape="0">
+                  <a:prstClr val="black">
+                    <a:alpha val="40000"/>
+                  </a:prstClr>
+                </a:outerShdw>
+              </a:effectLst>
+            </p:spPr>
+            <p:style>
+              <a:lnRef idx="2">
+                <a:schemeClr val="accent1">
+                  <a:shade val="50000"/>
+                </a:schemeClr>
+              </a:lnRef>
+              <a:fillRef idx="1">
+                <a:schemeClr val="accent1"/>
+              </a:fillRef>
+              <a:effectRef idx="0">
+                <a:schemeClr val="accent1"/>
+              </a:effectRef>
+              <a:fontRef idx="minor">
+                <a:schemeClr val="lt1"/>
+              </a:fontRef>
+            </p:style>
+            <p:txBody>
+              <a:bodyPr anchor="ctr"/>
+              <a:lstStyle/>
+              <a:p>
+                <a:pPr algn="ctr" eaLnBrk="1" fontAlgn="auto" hangingPunct="1">
+                  <a:spcBef>
+                    <a:spcPts val="0"/>
+                  </a:spcBef>
+                  <a:spcAft>
+                    <a:spcPts val="0"/>
+                  </a:spcAft>
+                  <a:defRPr/>
+                </a:pPr>
+                <a:endParaRPr lang="zh-CN" altLang="en-US"/>
+              </a:p>
+            </p:txBody>
+          </p:sp>
+        </p:grpSp>
+      </p:grpSp>
+      <p:pic>
+        <p:nvPicPr>
+          <p:cNvPr id="9" name="图片 11"/>
+          <p:cNvPicPr>
+            <a:picLocks noChangeAspect="1"/>
+          </p:cNvPicPr>
+          <p:nvPr/>
+        </p:nvPicPr>
+        <p:blipFill rotWithShape="1">
+          <a:blip r:embed="rId3">
+            <a:clrChange>
+              <a:clrFrom>
+                <a:srgbClr val="1A2026"/>
+              </a:clrFrom>
+              <a:clrTo>
+                <a:srgbClr val="1A2026">
+                  <a:alpha val="0"/>
+                </a:srgbClr>
+              </a:clrTo>
+            </a:clrChange>
+            <a:extLst>
+              <a:ext uri="{28A0092B-C50C-407E-A947-70E740481C1C}">
+                <a14:useLocalDpi xmlns:a14="http://schemas.microsoft.com/office/drawing/2010/main" val="0"/>
+              </a:ext>
+            </a:extLst>
+          </a:blip>
+          <a:srcRect l="46332" t="67529" r="6112" b="9962"/>
+          <a:stretch/>
+        </p:blipFill>
+        <p:spPr bwMode="auto">
+          <a:xfrm rot="10800000" flipV="1">
+            <a:off x="-42204" y="5346700"/>
+            <a:ext cx="2017594" cy="1511300"/>
+          </a:xfrm>
+          <a:prstGeom prst="rect">
+            <a:avLst/>
+          </a:prstGeom>
+          <a:noFill/>
+          <a:ln>
+            <a:noFill/>
+          </a:ln>
+          <a:effectLst/>
+          <a:extLst>
+            <a:ext uri="{909E8E84-426E-40DD-AFC4-6F175D3DCCD1}">
+              <a14:hiddenFill xmlns:a14="http://schemas.microsoft.com/office/drawing/2010/main">
+                <a:solidFill>
+                  <a:srgbClr val="FFFFFF"/>
+                </a:solidFill>
+              </a14:hiddenFill>
+            </a:ext>
+            <a:ext uri="{91240B29-F687-4F45-9708-019B960494DF}">
+              <a14:hiddenLine xmlns:a14="http://schemas.microsoft.com/office/drawing/2010/main" w="9525">
+                <a:solidFill>
+                  <a:srgbClr val="000000"/>
+                </a:solidFill>
+                <a:miter lim="800000"/>
+                <a:headEnd/>
+                <a:tailEnd/>
+              </a14:hiddenLine>
+            </a:ext>
+          </a:extLst>
+        </p:spPr>
+      </p:pic>
+      <p:sp>
+        <p:nvSpPr>
+          <p:cNvPr id="11" name="灯片编号占位符 10"/>
+          <p:cNvSpPr>
+            <a:spLocks noGrp="1"/>
+          </p:cNvSpPr>
+          <p:nvPr>
+            <p:ph type="sldNum" sz="quarter" idx="12"/>
+          </p:nvPr>
+        </p:nvSpPr>
+        <p:spPr/>
+        <p:txBody>
+          <a:bodyPr/>
+          <a:lstStyle/>
+          <a:p>
+            <a:fld id="{BA273C2D-4608-40A4-843C-F0473CCD49E4}" type="slidenum">
+              <a:rPr lang="zh-CN" altLang="en-US" smtClean="0"/>
+              <a:t>4</a:t>
             </a:fld>
             <a:endParaRPr lang="zh-CN" altLang="en-US" dirty="0"/>
           </a:p>
@@ -8337,6 +9762,111 @@
           </a:prstGeom>
         </p:spPr>
       </p:pic>
+      <p:sp>
+        <p:nvSpPr>
+          <p:cNvPr id="22" name="矩形 21"/>
+          <p:cNvSpPr/>
+          <p:nvPr/>
+        </p:nvSpPr>
+        <p:spPr>
+          <a:xfrm>
+            <a:off x="473407" y="1239836"/>
+            <a:ext cx="760064" cy="3416320"/>
+          </a:xfrm>
+          <a:prstGeom prst="rect">
+            <a:avLst/>
+          </a:prstGeom>
+        </p:spPr>
+        <p:txBody>
+          <a:bodyPr wrap="square">
+            <a:spAutoFit/>
+          </a:bodyPr>
+          <a:lstStyle/>
+          <a:p>
+            <a:r>
+              <a:rPr lang="en-US" altLang="zh-CN" b="1" dirty="0" smtClean="0"/>
+              <a:t>k-NN</a:t>
+            </a:r>
+          </a:p>
+          <a:p>
+            <a:r>
+              <a:rPr lang="zh-CN" altLang="en-US" b="1" dirty="0" smtClean="0"/>
+              <a:t> 核</a:t>
+            </a:r>
+            <a:endParaRPr lang="en-US" altLang="zh-CN" b="1" dirty="0" smtClean="0"/>
+          </a:p>
+          <a:p>
+            <a:r>
+              <a:rPr lang="zh-CN" altLang="en-US" b="1" dirty="0" smtClean="0"/>
+              <a:t> 心</a:t>
+            </a:r>
+            <a:endParaRPr lang="en-US" altLang="zh-CN" b="1" dirty="0" smtClean="0"/>
+          </a:p>
+          <a:p>
+            <a:r>
+              <a:rPr lang="zh-CN" altLang="en-US" b="1" dirty="0" smtClean="0"/>
+              <a:t> 算</a:t>
+            </a:r>
+            <a:endParaRPr lang="en-US" altLang="zh-CN" b="1" dirty="0" smtClean="0"/>
+          </a:p>
+          <a:p>
+            <a:r>
+              <a:rPr lang="zh-CN" altLang="en-US" b="1" dirty="0" smtClean="0"/>
+              <a:t> 法</a:t>
+            </a:r>
+            <a:endParaRPr lang="en-US" altLang="zh-CN" b="1" dirty="0" smtClean="0"/>
+          </a:p>
+          <a:p>
+            <a:r>
+              <a:rPr lang="zh-CN" altLang="en-US" b="1" dirty="0" smtClean="0"/>
+              <a:t> 部</a:t>
+            </a:r>
+            <a:endParaRPr lang="en-US" altLang="zh-CN" b="1" dirty="0" smtClean="0"/>
+          </a:p>
+          <a:p>
+            <a:r>
+              <a:rPr lang="zh-CN" altLang="en-US" b="1" dirty="0" smtClean="0"/>
+              <a:t> 分</a:t>
+            </a:r>
+            <a:endParaRPr lang="en-US" altLang="zh-CN" b="1" dirty="0" smtClean="0"/>
+          </a:p>
+          <a:p>
+            <a:r>
+              <a:rPr lang="zh-CN" altLang="en-US" b="1" dirty="0" smtClean="0"/>
+              <a:t> 准</a:t>
+            </a:r>
+            <a:endParaRPr lang="en-US" altLang="zh-CN" b="1" dirty="0" smtClean="0"/>
+          </a:p>
+          <a:p>
+            <a:r>
+              <a:rPr lang="zh-CN" altLang="en-US" b="1" dirty="0" smtClean="0"/>
+              <a:t> 确</a:t>
+            </a:r>
+            <a:endParaRPr lang="en-US" altLang="zh-CN" b="1" dirty="0" smtClean="0"/>
+          </a:p>
+          <a:p>
+            <a:r>
+              <a:rPr lang="zh-CN" altLang="en-US" b="1" dirty="0" smtClean="0"/>
+              <a:t> 率</a:t>
+            </a:r>
+            <a:endParaRPr lang="en-US" altLang="zh-CN" b="1" dirty="0" smtClean="0"/>
+          </a:p>
+          <a:p>
+            <a:r>
+              <a:rPr lang="zh-CN" altLang="en-US" b="1" dirty="0" smtClean="0"/>
+              <a:t> 测</a:t>
+            </a:r>
+            <a:endParaRPr lang="en-US" altLang="zh-CN" b="1" dirty="0" smtClean="0"/>
+          </a:p>
+          <a:p>
+            <a:r>
+              <a:rPr lang="zh-CN" altLang="en-US" b="1" dirty="0" smtClean="0"/>
+              <a:t> 试</a:t>
+            </a:r>
+            <a:endParaRPr lang="en-US" altLang="zh-CN" b="1" dirty="0" smtClean="0"/>
+          </a:p>
+        </p:txBody>
+      </p:sp>
     </p:spTree>
     <p:extLst>
       <p:ext uri="{BB962C8B-B14F-4D97-AF65-F5344CB8AC3E}">
@@ -8357,7 +9887,7 @@
 </p:sld>
 </file>
 
-<file path=ppt/slides/slide4.xml><?xml version="1.0" encoding="utf-8"?>
+<file path=ppt/slides/slide5.xml><?xml version="1.0" encoding="utf-8"?>
 <p:sld xmlns:a="http://schemas.openxmlformats.org/drawingml/2006/main" xmlns:r="http://schemas.openxmlformats.org/officeDocument/2006/relationships" xmlns:p="http://schemas.openxmlformats.org/presentationml/2006/main">
   <p:cSld>
     <p:spTree>
@@ -8878,7 +10408,7 @@
           <a:p>
             <a:fld id="{BA273C2D-4608-40A4-843C-F0473CCD49E4}" type="slidenum">
               <a:rPr lang="zh-CN" altLang="en-US" smtClean="0"/>
-              <a:t>4</a:t>
+              <a:t>5</a:t>
             </a:fld>
             <a:endParaRPr lang="zh-CN" altLang="en-US" dirty="0"/>
           </a:p>
@@ -9490,7 +11020,7 @@
         </p:nvSpPr>
         <p:spPr>
           <a:xfrm>
-            <a:off x="1255594" y="634779"/>
+            <a:off x="1487416" y="634779"/>
             <a:ext cx="2671565" cy="369332"/>
           </a:xfrm>
           <a:prstGeom prst="rect">
@@ -9535,7 +11065,7 @@
         </p:blipFill>
         <p:spPr>
           <a:xfrm>
-            <a:off x="966592" y="992592"/>
+            <a:off x="1559026" y="992592"/>
             <a:ext cx="8704052" cy="4179485"/>
           </a:xfrm>
           <a:prstGeom prst="rect">
@@ -9551,7 +11081,7 @@
         </p:nvSpPr>
         <p:spPr>
           <a:xfrm>
-            <a:off x="1277717" y="4620460"/>
+            <a:off x="1509539" y="4620460"/>
             <a:ext cx="6429965" cy="369332"/>
           </a:xfrm>
           <a:prstGeom prst="rect">
@@ -9593,6 +11123,116 @@
               <a:t>的矩阵。</a:t>
             </a:r>
             <a:endParaRPr lang="en-US" altLang="zh-CN" dirty="0"/>
+          </a:p>
+        </p:txBody>
+      </p:sp>
+      <p:sp>
+        <p:nvSpPr>
+          <p:cNvPr id="24" name="矩形 23"/>
+          <p:cNvSpPr/>
+          <p:nvPr/>
+        </p:nvSpPr>
+        <p:spPr>
+          <a:xfrm>
+            <a:off x="473407" y="1239836"/>
+            <a:ext cx="760064" cy="3139321"/>
+          </a:xfrm>
+          <a:prstGeom prst="rect">
+            <a:avLst/>
+          </a:prstGeom>
+        </p:spPr>
+        <p:txBody>
+          <a:bodyPr wrap="square">
+            <a:spAutoFit/>
+          </a:bodyPr>
+          <a:lstStyle/>
+          <a:p>
+            <a:r>
+              <a:rPr lang="en-US" altLang="zh-CN" b="1" dirty="0" smtClean="0"/>
+              <a:t>k-NN</a:t>
+            </a:r>
+          </a:p>
+          <a:p>
+            <a:r>
+              <a:rPr lang="zh-CN" altLang="en-US" b="1" dirty="0" smtClean="0"/>
+              <a:t> 算</a:t>
+            </a:r>
+            <a:endParaRPr lang="en-US" altLang="zh-CN" b="1" dirty="0" smtClean="0"/>
+          </a:p>
+          <a:p>
+            <a:r>
+              <a:rPr lang="zh-CN" altLang="en-US" b="1" dirty="0" smtClean="0"/>
+              <a:t> 法</a:t>
+            </a:r>
+            <a:endParaRPr lang="en-US" altLang="zh-CN" b="1" dirty="0" smtClean="0"/>
+          </a:p>
+          <a:p>
+            <a:r>
+              <a:rPr lang="en-US" altLang="zh-CN" b="1" dirty="0"/>
+              <a:t> </a:t>
+            </a:r>
+            <a:r>
+              <a:rPr lang="zh-CN" altLang="en-US" b="1" dirty="0" smtClean="0"/>
+              <a:t>实</a:t>
+            </a:r>
+            <a:endParaRPr lang="en-US" altLang="zh-CN" b="1" dirty="0" smtClean="0"/>
+          </a:p>
+          <a:p>
+            <a:r>
+              <a:rPr lang="en-US" altLang="zh-CN" b="1" dirty="0"/>
+              <a:t> </a:t>
+            </a:r>
+            <a:r>
+              <a:rPr lang="zh-CN" altLang="en-US" b="1" dirty="0" smtClean="0"/>
+              <a:t>现</a:t>
+            </a:r>
+            <a:endParaRPr lang="en-US" altLang="zh-CN" b="1" dirty="0" smtClean="0"/>
+          </a:p>
+          <a:p>
+            <a:r>
+              <a:rPr lang="en-US" altLang="zh-CN" b="1" dirty="0"/>
+              <a:t> </a:t>
+            </a:r>
+            <a:r>
+              <a:rPr lang="zh-CN" altLang="en-US" b="1" dirty="0" smtClean="0"/>
+              <a:t>手 </a:t>
+            </a:r>
+            <a:endParaRPr lang="en-US" altLang="zh-CN" b="1" dirty="0" smtClean="0"/>
+          </a:p>
+          <a:p>
+            <a:r>
+              <a:rPr lang="zh-CN" altLang="en-US" b="1" dirty="0" smtClean="0"/>
+              <a:t> 写</a:t>
+            </a:r>
+            <a:endParaRPr lang="en-US" altLang="zh-CN" b="1" dirty="0" smtClean="0"/>
+          </a:p>
+          <a:p>
+            <a:r>
+              <a:rPr lang="zh-CN" altLang="en-US" b="1" dirty="0" smtClean="0"/>
+              <a:t> 数</a:t>
+            </a:r>
+            <a:endParaRPr lang="en-US" altLang="zh-CN" b="1" dirty="0" smtClean="0"/>
+          </a:p>
+          <a:p>
+            <a:r>
+              <a:rPr lang="zh-CN" altLang="en-US" b="1" dirty="0" smtClean="0"/>
+              <a:t> 字</a:t>
+            </a:r>
+            <a:endParaRPr lang="en-US" altLang="zh-CN" b="1" dirty="0" smtClean="0"/>
+          </a:p>
+          <a:p>
+            <a:r>
+              <a:rPr lang="zh-CN" altLang="en-US" b="1" dirty="0" smtClean="0"/>
+              <a:t> 识</a:t>
+            </a:r>
+            <a:endParaRPr lang="en-US" altLang="zh-CN" b="1" dirty="0" smtClean="0"/>
+          </a:p>
+          <a:p>
+            <a:r>
+              <a:rPr lang="zh-CN" altLang="en-US" b="1" dirty="0" smtClean="0"/>
+              <a:t> 别</a:t>
+            </a:r>
+            <a:endParaRPr lang="en-US" altLang="zh-CN" b="1" dirty="0" smtClean="0"/>
           </a:p>
         </p:txBody>
       </p:sp>
@@ -9616,7 +11256,7 @@
 </p:sld>
 </file>
 
-<file path=ppt/slides/slide5.xml><?xml version="1.0" encoding="utf-8"?>
+<file path=ppt/slides/slide6.xml><?xml version="1.0" encoding="utf-8"?>
 <p:sld xmlns:a="http://schemas.openxmlformats.org/drawingml/2006/main" xmlns:r="http://schemas.openxmlformats.org/officeDocument/2006/relationships" xmlns:p="http://schemas.openxmlformats.org/presentationml/2006/main">
   <p:cSld>
     <p:spTree>
@@ -10137,7 +11777,7 @@
           <a:p>
             <a:fld id="{BA273C2D-4608-40A4-843C-F0473CCD49E4}" type="slidenum">
               <a:rPr lang="zh-CN" altLang="en-US" smtClean="0"/>
-              <a:t>5</a:t>
+              <a:t>6</a:t>
             </a:fld>
             <a:endParaRPr lang="zh-CN" altLang="en-US" dirty="0"/>
           </a:p>
@@ -10848,7 +12488,7 @@
 </p:sld>
 </file>
 
-<file path=ppt/slides/slide6.xml><?xml version="1.0" encoding="utf-8"?>
+<file path=ppt/slides/slide7.xml><?xml version="1.0" encoding="utf-8"?>
 <p:sld xmlns:a="http://schemas.openxmlformats.org/drawingml/2006/main" xmlns:r="http://schemas.openxmlformats.org/officeDocument/2006/relationships" xmlns:p="http://schemas.openxmlformats.org/presentationml/2006/main">
   <p:cSld>
     <p:spTree>
@@ -11369,7 +13009,7 @@
           <a:p>
             <a:fld id="{BA273C2D-4608-40A4-843C-F0473CCD49E4}" type="slidenum">
               <a:rPr lang="zh-CN" altLang="en-US" smtClean="0"/>
-              <a:t>6</a:t>
+              <a:t>7</a:t>
             </a:fld>
             <a:endParaRPr lang="zh-CN" altLang="en-US" dirty="0"/>
           </a:p>
